--- a/5-HTTP-Services.pptx
+++ b/5-HTTP-Services.pptx
@@ -220,7 +220,7 @@
           <a:p>
             <a:fld id="{0E990FE3-7537-4D15-A9F5-FDF1805FD5F8}" type="datetimeFigureOut">
               <a:rPr lang="en-US" smtClean="0"/>
-              <a:t>10/4/2013</a:t>
+              <a:t>10/11/2013</a:t>
             </a:fld>
             <a:endParaRPr lang="en-US"/>
           </a:p>
@@ -486,6 +486,90 @@
     </a:lvl9pPr>
   </p:notesStyle>
 </p:notesMaster>
+</file>
+
+<file path=ppt/notesSlides/notesSlide1.xml><?xml version="1.0" encoding="utf-8"?>
+<p:notes xmlns:a="http://schemas.openxmlformats.org/drawingml/2006/main" xmlns:r="http://schemas.openxmlformats.org/officeDocument/2006/relationships" xmlns:p="http://schemas.openxmlformats.org/presentationml/2006/main">
+  <p:cSld>
+    <p:spTree>
+      <p:nvGrpSpPr>
+        <p:cNvPr id="1" name=""/>
+        <p:cNvGrpSpPr/>
+        <p:nvPr/>
+      </p:nvGrpSpPr>
+      <p:grpSpPr>
+        <a:xfrm>
+          <a:off x="0" y="0"/>
+          <a:ext cx="0" cy="0"/>
+          <a:chOff x="0" y="0"/>
+          <a:chExt cx="0" cy="0"/>
+        </a:xfrm>
+      </p:grpSpPr>
+      <p:sp>
+        <p:nvSpPr>
+          <p:cNvPr id="2" name="Slide Image Placeholder 1"/>
+          <p:cNvSpPr>
+            <a:spLocks noGrp="1" noRot="1" noChangeAspect="1"/>
+          </p:cNvSpPr>
+          <p:nvPr>
+            <p:ph type="sldImg"/>
+          </p:nvPr>
+        </p:nvSpPr>
+        <p:spPr/>
+      </p:sp>
+      <p:sp>
+        <p:nvSpPr>
+          <p:cNvPr id="3" name="Notes Placeholder 2"/>
+          <p:cNvSpPr>
+            <a:spLocks noGrp="1"/>
+          </p:cNvSpPr>
+          <p:nvPr>
+            <p:ph type="body" idx="1"/>
+          </p:nvPr>
+        </p:nvSpPr>
+        <p:spPr/>
+        <p:txBody>
+          <a:bodyPr/>
+          <a:lstStyle/>
+          <a:p>
+            <a:endParaRPr lang="en-US" dirty="0"/>
+          </a:p>
+        </p:txBody>
+      </p:sp>
+      <p:sp>
+        <p:nvSpPr>
+          <p:cNvPr id="4" name="Slide Number Placeholder 3"/>
+          <p:cNvSpPr>
+            <a:spLocks noGrp="1"/>
+          </p:cNvSpPr>
+          <p:nvPr>
+            <p:ph type="sldNum" sz="quarter" idx="10"/>
+          </p:nvPr>
+        </p:nvSpPr>
+        <p:spPr/>
+        <p:txBody>
+          <a:bodyPr/>
+          <a:lstStyle/>
+          <a:p>
+            <a:fld id="{6E8C67A6-C0E7-47DF-97C2-CA9B11275397}" type="slidenum">
+              <a:rPr lang="en-US" smtClean="0"/>
+              <a:t>4</a:t>
+            </a:fld>
+            <a:endParaRPr lang="en-US"/>
+          </a:p>
+        </p:txBody>
+      </p:sp>
+    </p:spTree>
+    <p:extLst>
+      <p:ext uri="{BB962C8B-B14F-4D97-AF65-F5344CB8AC3E}">
+        <p14:creationId xmlns:p14="http://schemas.microsoft.com/office/powerpoint/2010/main" val="3787118227"/>
+      </p:ext>
+    </p:extLst>
+  </p:cSld>
+  <p:clrMapOvr>
+    <a:masterClrMapping/>
+  </p:clrMapOvr>
+</p:notes>
 </file>
 
 <file path=ppt/slideLayouts/slideLayout1.xml><?xml version="1.0" encoding="utf-8"?>
@@ -20564,10 +20648,15 @@
             <a:spLocks noGrp="1"/>
           </p:cNvSpPr>
           <p:nvPr>
-            <p:ph type="title"/>
+            <p:ph type="title" idx="4294967295"/>
           </p:nvPr>
         </p:nvSpPr>
-        <p:spPr/>
+        <p:spPr>
+          <a:xfrm>
+            <a:off x="0" y="228600"/>
+            <a:ext cx="11152188" cy="747713"/>
+          </a:xfrm>
+        </p:spPr>
         <p:txBody>
           <a:bodyPr>
             <a:normAutofit fontScale="90000"/>
@@ -20732,9 +20821,14 @@
   <p:clrMapOvr>
     <a:masterClrMapping/>
   </p:clrMapOvr>
-  <p:transition>
-    <p:fade/>
-  </p:transition>
+  <mc:AlternateContent xmlns:mc="http://schemas.openxmlformats.org/markup-compatibility/2006">
+    <mc:Choice xmlns:p14="http://schemas.microsoft.com/office/powerpoint/2010/main" Requires="p14">
+      <p:transition spd="slow" p14:dur="2000"/>
+    </mc:Choice>
+    <mc:Fallback>
+      <p:transition spd="slow"/>
+    </mc:Fallback>
+  </mc:AlternateContent>
   <p:timing>
     <p:tnLst>
       <p:par>
@@ -20769,10 +20863,15 @@
             <a:spLocks noGrp="1"/>
           </p:cNvSpPr>
           <p:nvPr>
-            <p:ph type="title"/>
+            <p:ph type="title" idx="4294967295"/>
           </p:nvPr>
         </p:nvSpPr>
-        <p:spPr/>
+        <p:spPr>
+          <a:xfrm>
+            <a:off x="0" y="228600"/>
+            <a:ext cx="11152188" cy="747713"/>
+          </a:xfrm>
+        </p:spPr>
         <p:txBody>
           <a:bodyPr>
             <a:normAutofit fontScale="90000"/>
@@ -20937,9 +21036,14 @@
   <p:clrMapOvr>
     <a:masterClrMapping/>
   </p:clrMapOvr>
-  <p:transition>
-    <p:fade/>
-  </p:transition>
+  <mc:AlternateContent xmlns:mc="http://schemas.openxmlformats.org/markup-compatibility/2006">
+    <mc:Choice xmlns:p14="http://schemas.microsoft.com/office/powerpoint/2010/main" Requires="p14">
+      <p:transition spd="slow" p14:dur="2000"/>
+    </mc:Choice>
+    <mc:Fallback>
+      <p:transition spd="slow"/>
+    </mc:Fallback>
+  </mc:AlternateContent>
   <p:timing>
     <p:tnLst>
       <p:par>
@@ -24395,8 +24499,19 @@
           <a:p>
             <a:r>
               <a:rPr lang="en-US" dirty="0"/>
-              <a:t>API design</a:t>
-            </a:r>
+              <a:t>API </a:t>
+            </a:r>
+            <a:r>
+              <a:rPr lang="en-US" dirty="0" smtClean="0"/>
+              <a:t>design</a:t>
+            </a:r>
+          </a:p>
+          <a:p>
+            <a:r>
+              <a:rPr lang="en-US" dirty="0" smtClean="0"/>
+              <a:t>HTTP Status Codes</a:t>
+            </a:r>
+            <a:endParaRPr lang="en-US" dirty="0"/>
           </a:p>
           <a:p>
             <a:endParaRPr lang="en-US" dirty="0"/>
@@ -26953,7 +27068,7 @@
           <a:graphicData uri="http://schemas.openxmlformats.org/presentationml/2006/ole">
             <mc:AlternateContent xmlns:mc="http://schemas.openxmlformats.org/markup-compatibility/2006">
               <mc:Choice xmlns:v="urn:schemas-microsoft-com:vml" Requires="v">
-                <p:oleObj spid="_x0000_s1030" name="think-cell Slide" r:id="rId6" imgW="270" imgH="270" progId="TCLayout.ActiveDocument.1">
+                <p:oleObj spid="_x0000_s1032" name="think-cell Slide" r:id="rId6" imgW="270" imgH="270" progId="TCLayout.ActiveDocument.1">
                   <p:embed/>
                 </p:oleObj>
               </mc:Choice>
@@ -26995,13 +27110,18 @@
             <a:spLocks noGrp="1"/>
           </p:cNvSpPr>
           <p:nvPr>
-            <p:ph type="title"/>
+            <p:ph type="title" idx="4294967295"/>
             <p:custDataLst>
               <p:tags r:id="rId3"/>
             </p:custDataLst>
           </p:nvPr>
         </p:nvSpPr>
-        <p:spPr/>
+        <p:spPr>
+          <a:xfrm>
+            <a:off x="0" y="228600"/>
+            <a:ext cx="11152188" cy="747713"/>
+          </a:xfrm>
+        </p:spPr>
         <p:txBody>
           <a:bodyPr>
             <a:normAutofit fontScale="90000"/>

--- a/5-HTTP-Services.pptx
+++ b/5-HTTP-Services.pptx
@@ -220,7 +220,7 @@
           <a:p>
             <a:fld id="{0E990FE3-7537-4D15-A9F5-FDF1805FD5F8}" type="datetimeFigureOut">
               <a:rPr lang="en-US" smtClean="0"/>
-              <a:t>10/11/2013</a:t>
+              <a:t>12/8/2013</a:t>
             </a:fld>
             <a:endParaRPr lang="en-US"/>
           </a:p>
@@ -532,6 +532,118 @@
           <a:bodyPr/>
           <a:lstStyle/>
           <a:p>
+            <a:r>
+              <a:rPr lang="en-US" dirty="0" smtClean="0"/>
+              <a:t>1. We’ve seen how ASP.NET provides a common core which supports several different toolsets.</a:t>
+            </a:r>
+          </a:p>
+          <a:p>
+            <a:r>
+              <a:rPr lang="en-US" dirty="0" smtClean="0"/>
+              <a:t>2. [click for first animation] On the left side, we have tools which produce HTML, which will be</a:t>
+            </a:r>
+            <a:r>
+              <a:rPr lang="en-US" baseline="0" dirty="0" smtClean="0"/>
+              <a:t> viewed in browsers by people.</a:t>
+            </a:r>
+          </a:p>
+          <a:p>
+            <a:r>
+              <a:rPr lang="en-US" baseline="0" dirty="0" smtClean="0"/>
+              <a:t>3. [click for second animation] On the right, we have Web API, which produces other formats which are consumed by machines (represented by this happy robot) – JSON, XML, and other custom formats which are read by JavaScript code, other programs, other servers, etc. </a:t>
+            </a:r>
+            <a:endParaRPr lang="en-US" dirty="0"/>
+          </a:p>
+        </p:txBody>
+      </p:sp>
+      <p:sp>
+        <p:nvSpPr>
+          <p:cNvPr id="4" name="Slide Number Placeholder 3"/>
+          <p:cNvSpPr>
+            <a:spLocks noGrp="1"/>
+          </p:cNvSpPr>
+          <p:nvPr>
+            <p:ph type="sldNum" sz="quarter" idx="10"/>
+          </p:nvPr>
+        </p:nvSpPr>
+        <p:spPr/>
+        <p:txBody>
+          <a:bodyPr/>
+          <a:lstStyle/>
+          <a:p>
+            <a:fld id="{6E8C67A6-C0E7-47DF-97C2-CA9B11275397}" type="slidenum">
+              <a:rPr lang="en-US" smtClean="0"/>
+              <a:t>3</a:t>
+            </a:fld>
+            <a:endParaRPr lang="en-US"/>
+          </a:p>
+        </p:txBody>
+      </p:sp>
+    </p:spTree>
+    <p:extLst>
+      <p:ext uri="{BB962C8B-B14F-4D97-AF65-F5344CB8AC3E}">
+        <p14:creationId xmlns:p14="http://schemas.microsoft.com/office/powerpoint/2010/main" val="2583210420"/>
+      </p:ext>
+    </p:extLst>
+  </p:cSld>
+  <p:clrMapOvr>
+    <a:masterClrMapping/>
+  </p:clrMapOvr>
+</p:notes>
+</file>
+
+<file path=ppt/notesSlides/notesSlide2.xml><?xml version="1.0" encoding="utf-8"?>
+<p:notes xmlns:a="http://schemas.openxmlformats.org/drawingml/2006/main" xmlns:r="http://schemas.openxmlformats.org/officeDocument/2006/relationships" xmlns:p="http://schemas.openxmlformats.org/presentationml/2006/main">
+  <p:cSld>
+    <p:spTree>
+      <p:nvGrpSpPr>
+        <p:cNvPr id="1" name=""/>
+        <p:cNvGrpSpPr/>
+        <p:nvPr/>
+      </p:nvGrpSpPr>
+      <p:grpSpPr>
+        <a:xfrm>
+          <a:off x="0" y="0"/>
+          <a:ext cx="0" cy="0"/>
+          <a:chOff x="0" y="0"/>
+          <a:chExt cx="0" cy="0"/>
+        </a:xfrm>
+      </p:grpSpPr>
+      <p:sp>
+        <p:nvSpPr>
+          <p:cNvPr id="2" name="Slide Image Placeholder 1"/>
+          <p:cNvSpPr>
+            <a:spLocks noGrp="1" noRot="1" noChangeAspect="1"/>
+          </p:cNvSpPr>
+          <p:nvPr>
+            <p:ph type="sldImg"/>
+          </p:nvPr>
+        </p:nvSpPr>
+        <p:spPr/>
+      </p:sp>
+      <p:sp>
+        <p:nvSpPr>
+          <p:cNvPr id="3" name="Notes Placeholder 2"/>
+          <p:cNvSpPr>
+            <a:spLocks noGrp="1"/>
+          </p:cNvSpPr>
+          <p:nvPr>
+            <p:ph type="body" idx="1"/>
+          </p:nvPr>
+        </p:nvSpPr>
+        <p:spPr/>
+        <p:txBody>
+          <a:bodyPr/>
+          <a:lstStyle/>
+          <a:p>
+            <a:r>
+              <a:rPr lang="en-US" dirty="0" smtClean="0"/>
+              <a:t>This slide is hidden by default – up to you if you want to talk about some of </a:t>
+            </a:r>
+            <a:r>
+              <a:rPr lang="en-US" smtClean="0"/>
+              <a:t>these things.</a:t>
+            </a:r>
             <a:endParaRPr lang="en-US" dirty="0"/>
           </a:p>
         </p:txBody>
@@ -3720,6 +3832,13 @@
   <p:transition>
     <p:fade/>
   </p:transition>
+  <p:timing>
+    <p:tnLst>
+      <p:par>
+        <p:cTn id="1" dur="indefinite" restart="never" nodeType="tmRoot"/>
+      </p:par>
+    </p:tnLst>
+  </p:timing>
 </p:sldLayout>
 </file>
 
@@ -15199,130 +15318,6 @@
           <a:p>
             <a:pPr algn="ctr"/>
             <a:endParaRPr lang="en-US"/>
-          </a:p>
-        </p:txBody>
-      </p:sp>
-      <p:sp>
-        <p:nvSpPr>
-          <p:cNvPr id="14" name="Slide Number Placeholder 5"/>
-          <p:cNvSpPr txBox="1">
-            <a:spLocks/>
-          </p:cNvSpPr>
-          <p:nvPr userDrawn="1"/>
-        </p:nvSpPr>
-        <p:spPr>
-          <a:xfrm>
-            <a:off x="560798" y="6256216"/>
-            <a:ext cx="2743200" cy="365125"/>
-          </a:xfrm>
-          <a:prstGeom prst="rect">
-            <a:avLst/>
-          </a:prstGeom>
-        </p:spPr>
-        <p:txBody>
-          <a:bodyPr vert="horz" lIns="91440" tIns="45720" rIns="91440" bIns="45720" rtlCol="0" anchor="ctr"/>
-          <a:lstStyle>
-            <a:defPPr>
-              <a:defRPr lang="en-US"/>
-            </a:defPPr>
-            <a:lvl1pPr marL="0" algn="r" defTabSz="914400" rtl="0" eaLnBrk="1" latinLnBrk="0" hangingPunct="1">
-              <a:defRPr sz="2000" kern="1200">
-                <a:solidFill>
-                  <a:srgbClr val="289FD7"/>
-                </a:solidFill>
-                <a:latin typeface="+mj-lt"/>
-                <a:ea typeface="+mn-ea"/>
-                <a:cs typeface="+mn-cs"/>
-              </a:defRPr>
-            </a:lvl1pPr>
-            <a:lvl2pPr marL="457200" algn="l" defTabSz="914400" rtl="0" eaLnBrk="1" latinLnBrk="0" hangingPunct="1">
-              <a:defRPr sz="1800" kern="1200">
-                <a:solidFill>
-                  <a:schemeClr val="tx1"/>
-                </a:solidFill>
-                <a:latin typeface="+mn-lt"/>
-                <a:ea typeface="+mn-ea"/>
-                <a:cs typeface="+mn-cs"/>
-              </a:defRPr>
-            </a:lvl2pPr>
-            <a:lvl3pPr marL="914400" algn="l" defTabSz="914400" rtl="0" eaLnBrk="1" latinLnBrk="0" hangingPunct="1">
-              <a:defRPr sz="1800" kern="1200">
-                <a:solidFill>
-                  <a:schemeClr val="tx1"/>
-                </a:solidFill>
-                <a:latin typeface="+mn-lt"/>
-                <a:ea typeface="+mn-ea"/>
-                <a:cs typeface="+mn-cs"/>
-              </a:defRPr>
-            </a:lvl3pPr>
-            <a:lvl4pPr marL="1371600" algn="l" defTabSz="914400" rtl="0" eaLnBrk="1" latinLnBrk="0" hangingPunct="1">
-              <a:defRPr sz="1800" kern="1200">
-                <a:solidFill>
-                  <a:schemeClr val="tx1"/>
-                </a:solidFill>
-                <a:latin typeface="+mn-lt"/>
-                <a:ea typeface="+mn-ea"/>
-                <a:cs typeface="+mn-cs"/>
-              </a:defRPr>
-            </a:lvl4pPr>
-            <a:lvl5pPr marL="1828800" algn="l" defTabSz="914400" rtl="0" eaLnBrk="1" latinLnBrk="0" hangingPunct="1">
-              <a:defRPr sz="1800" kern="1200">
-                <a:solidFill>
-                  <a:schemeClr val="tx1"/>
-                </a:solidFill>
-                <a:latin typeface="+mn-lt"/>
-                <a:ea typeface="+mn-ea"/>
-                <a:cs typeface="+mn-cs"/>
-              </a:defRPr>
-            </a:lvl5pPr>
-            <a:lvl6pPr marL="2286000" algn="l" defTabSz="914400" rtl="0" eaLnBrk="1" latinLnBrk="0" hangingPunct="1">
-              <a:defRPr sz="1800" kern="1200">
-                <a:solidFill>
-                  <a:schemeClr val="tx1"/>
-                </a:solidFill>
-                <a:latin typeface="+mn-lt"/>
-                <a:ea typeface="+mn-ea"/>
-                <a:cs typeface="+mn-cs"/>
-              </a:defRPr>
-            </a:lvl6pPr>
-            <a:lvl7pPr marL="2743200" algn="l" defTabSz="914400" rtl="0" eaLnBrk="1" latinLnBrk="0" hangingPunct="1">
-              <a:defRPr sz="1800" kern="1200">
-                <a:solidFill>
-                  <a:schemeClr val="tx1"/>
-                </a:solidFill>
-                <a:latin typeface="+mn-lt"/>
-                <a:ea typeface="+mn-ea"/>
-                <a:cs typeface="+mn-cs"/>
-              </a:defRPr>
-            </a:lvl7pPr>
-            <a:lvl8pPr marL="3200400" algn="l" defTabSz="914400" rtl="0" eaLnBrk="1" latinLnBrk="0" hangingPunct="1">
-              <a:defRPr sz="1800" kern="1200">
-                <a:solidFill>
-                  <a:schemeClr val="tx1"/>
-                </a:solidFill>
-                <a:latin typeface="+mn-lt"/>
-                <a:ea typeface="+mn-ea"/>
-                <a:cs typeface="+mn-cs"/>
-              </a:defRPr>
-            </a:lvl8pPr>
-            <a:lvl9pPr marL="3657600" algn="l" defTabSz="914400" rtl="0" eaLnBrk="1" latinLnBrk="0" hangingPunct="1">
-              <a:defRPr sz="1800" kern="1200">
-                <a:solidFill>
-                  <a:schemeClr val="tx1"/>
-                </a:solidFill>
-                <a:latin typeface="+mn-lt"/>
-                <a:ea typeface="+mn-ea"/>
-                <a:cs typeface="+mn-cs"/>
-              </a:defRPr>
-            </a:lvl9pPr>
-          </a:lstStyle>
-          <a:p>
-            <a:pPr algn="l"/>
-            <a:r>
-              <a:rPr lang="en-US" dirty="0" smtClean="0"/>
-              <a:t>Windows Azure</a:t>
-            </a:r>
-            <a:endParaRPr lang="en-US" dirty="0"/>
           </a:p>
         </p:txBody>
       </p:sp>
@@ -16151,138 +16146,6 @@
       </p:sp>
       <p:sp>
         <p:nvSpPr>
-          <p:cNvPr id="14" name="Slide Number Placeholder 5"/>
-          <p:cNvSpPr txBox="1">
-            <a:spLocks/>
-          </p:cNvSpPr>
-          <p:nvPr userDrawn="1"/>
-        </p:nvSpPr>
-        <p:spPr>
-          <a:xfrm>
-            <a:off x="560798" y="6256216"/>
-            <a:ext cx="2743200" cy="365125"/>
-          </a:xfrm>
-          <a:prstGeom prst="rect">
-            <a:avLst/>
-          </a:prstGeom>
-        </p:spPr>
-        <p:txBody>
-          <a:bodyPr vert="horz" lIns="91440" tIns="45720" rIns="91440" bIns="45720" rtlCol="0" anchor="ctr"/>
-          <a:lstStyle>
-            <a:defPPr>
-              <a:defRPr lang="en-US"/>
-            </a:defPPr>
-            <a:lvl1pPr marL="0" algn="r" defTabSz="914400" rtl="0" eaLnBrk="1" latinLnBrk="0" hangingPunct="1">
-              <a:defRPr sz="2000" kern="1200">
-                <a:solidFill>
-                  <a:srgbClr val="289FD7"/>
-                </a:solidFill>
-                <a:latin typeface="+mj-lt"/>
-                <a:ea typeface="+mn-ea"/>
-                <a:cs typeface="+mn-cs"/>
-              </a:defRPr>
-            </a:lvl1pPr>
-            <a:lvl2pPr marL="457200" algn="l" defTabSz="914400" rtl="0" eaLnBrk="1" latinLnBrk="0" hangingPunct="1">
-              <a:defRPr sz="1800" kern="1200">
-                <a:solidFill>
-                  <a:schemeClr val="tx1"/>
-                </a:solidFill>
-                <a:latin typeface="+mn-lt"/>
-                <a:ea typeface="+mn-ea"/>
-                <a:cs typeface="+mn-cs"/>
-              </a:defRPr>
-            </a:lvl2pPr>
-            <a:lvl3pPr marL="914400" algn="l" defTabSz="914400" rtl="0" eaLnBrk="1" latinLnBrk="0" hangingPunct="1">
-              <a:defRPr sz="1800" kern="1200">
-                <a:solidFill>
-                  <a:schemeClr val="tx1"/>
-                </a:solidFill>
-                <a:latin typeface="+mn-lt"/>
-                <a:ea typeface="+mn-ea"/>
-                <a:cs typeface="+mn-cs"/>
-              </a:defRPr>
-            </a:lvl3pPr>
-            <a:lvl4pPr marL="1371600" algn="l" defTabSz="914400" rtl="0" eaLnBrk="1" latinLnBrk="0" hangingPunct="1">
-              <a:defRPr sz="1800" kern="1200">
-                <a:solidFill>
-                  <a:schemeClr val="tx1"/>
-                </a:solidFill>
-                <a:latin typeface="+mn-lt"/>
-                <a:ea typeface="+mn-ea"/>
-                <a:cs typeface="+mn-cs"/>
-              </a:defRPr>
-            </a:lvl4pPr>
-            <a:lvl5pPr marL="1828800" algn="l" defTabSz="914400" rtl="0" eaLnBrk="1" latinLnBrk="0" hangingPunct="1">
-              <a:defRPr sz="1800" kern="1200">
-                <a:solidFill>
-                  <a:schemeClr val="tx1"/>
-                </a:solidFill>
-                <a:latin typeface="+mn-lt"/>
-                <a:ea typeface="+mn-ea"/>
-                <a:cs typeface="+mn-cs"/>
-              </a:defRPr>
-            </a:lvl5pPr>
-            <a:lvl6pPr marL="2286000" algn="l" defTabSz="914400" rtl="0" eaLnBrk="1" latinLnBrk="0" hangingPunct="1">
-              <a:defRPr sz="1800" kern="1200">
-                <a:solidFill>
-                  <a:schemeClr val="tx1"/>
-                </a:solidFill>
-                <a:latin typeface="+mn-lt"/>
-                <a:ea typeface="+mn-ea"/>
-                <a:cs typeface="+mn-cs"/>
-              </a:defRPr>
-            </a:lvl6pPr>
-            <a:lvl7pPr marL="2743200" algn="l" defTabSz="914400" rtl="0" eaLnBrk="1" latinLnBrk="0" hangingPunct="1">
-              <a:defRPr sz="1800" kern="1200">
-                <a:solidFill>
-                  <a:schemeClr val="tx1"/>
-                </a:solidFill>
-                <a:latin typeface="+mn-lt"/>
-                <a:ea typeface="+mn-ea"/>
-                <a:cs typeface="+mn-cs"/>
-              </a:defRPr>
-            </a:lvl7pPr>
-            <a:lvl8pPr marL="3200400" algn="l" defTabSz="914400" rtl="0" eaLnBrk="1" latinLnBrk="0" hangingPunct="1">
-              <a:defRPr sz="1800" kern="1200">
-                <a:solidFill>
-                  <a:schemeClr val="tx1"/>
-                </a:solidFill>
-                <a:latin typeface="+mn-lt"/>
-                <a:ea typeface="+mn-ea"/>
-                <a:cs typeface="+mn-cs"/>
-              </a:defRPr>
-            </a:lvl8pPr>
-            <a:lvl9pPr marL="3657600" algn="l" defTabSz="914400" rtl="0" eaLnBrk="1" latinLnBrk="0" hangingPunct="1">
-              <a:defRPr sz="1800" kern="1200">
-                <a:solidFill>
-                  <a:schemeClr val="tx1"/>
-                </a:solidFill>
-                <a:latin typeface="+mn-lt"/>
-                <a:ea typeface="+mn-ea"/>
-                <a:cs typeface="+mn-cs"/>
-              </a:defRPr>
-            </a:lvl9pPr>
-          </a:lstStyle>
-          <a:p>
-            <a:pPr algn="l"/>
-            <a:r>
-              <a:rPr lang="en-US" dirty="0" smtClean="0">
-                <a:solidFill>
-                  <a:srgbClr val="BDCD2C"/>
-                </a:solidFill>
-              </a:rPr>
-              <a:t>Windows Azure</a:t>
-            </a:r>
-            <a:endParaRPr lang="en-US" dirty="0">
-              <a:solidFill>
-                <a:srgbClr val="BDCD2C"/>
-              </a:solidFill>
-            </a:endParaRPr>
-          </a:p>
-        </p:txBody>
-      </p:sp>
-      <p:sp>
-        <p:nvSpPr>
           <p:cNvPr id="15" name="Rectangle 14"/>
           <p:cNvSpPr/>
           <p:nvPr userDrawn="1"/>
@@ -17098,138 +16961,6 @@
       </p:sp>
       <p:sp>
         <p:nvSpPr>
-          <p:cNvPr id="14" name="Slide Number Placeholder 5"/>
-          <p:cNvSpPr txBox="1">
-            <a:spLocks/>
-          </p:cNvSpPr>
-          <p:nvPr userDrawn="1"/>
-        </p:nvSpPr>
-        <p:spPr>
-          <a:xfrm>
-            <a:off x="560798" y="6256216"/>
-            <a:ext cx="2743200" cy="365125"/>
-          </a:xfrm>
-          <a:prstGeom prst="rect">
-            <a:avLst/>
-          </a:prstGeom>
-        </p:spPr>
-        <p:txBody>
-          <a:bodyPr vert="horz" lIns="91440" tIns="45720" rIns="91440" bIns="45720" rtlCol="0" anchor="ctr"/>
-          <a:lstStyle>
-            <a:defPPr>
-              <a:defRPr lang="en-US"/>
-            </a:defPPr>
-            <a:lvl1pPr marL="0" algn="r" defTabSz="914400" rtl="0" eaLnBrk="1" latinLnBrk="0" hangingPunct="1">
-              <a:defRPr sz="2000" kern="1200">
-                <a:solidFill>
-                  <a:srgbClr val="289FD7"/>
-                </a:solidFill>
-                <a:latin typeface="+mj-lt"/>
-                <a:ea typeface="+mn-ea"/>
-                <a:cs typeface="+mn-cs"/>
-              </a:defRPr>
-            </a:lvl1pPr>
-            <a:lvl2pPr marL="457200" algn="l" defTabSz="914400" rtl="0" eaLnBrk="1" latinLnBrk="0" hangingPunct="1">
-              <a:defRPr sz="1800" kern="1200">
-                <a:solidFill>
-                  <a:schemeClr val="tx1"/>
-                </a:solidFill>
-                <a:latin typeface="+mn-lt"/>
-                <a:ea typeface="+mn-ea"/>
-                <a:cs typeface="+mn-cs"/>
-              </a:defRPr>
-            </a:lvl2pPr>
-            <a:lvl3pPr marL="914400" algn="l" defTabSz="914400" rtl="0" eaLnBrk="1" latinLnBrk="0" hangingPunct="1">
-              <a:defRPr sz="1800" kern="1200">
-                <a:solidFill>
-                  <a:schemeClr val="tx1"/>
-                </a:solidFill>
-                <a:latin typeface="+mn-lt"/>
-                <a:ea typeface="+mn-ea"/>
-                <a:cs typeface="+mn-cs"/>
-              </a:defRPr>
-            </a:lvl3pPr>
-            <a:lvl4pPr marL="1371600" algn="l" defTabSz="914400" rtl="0" eaLnBrk="1" latinLnBrk="0" hangingPunct="1">
-              <a:defRPr sz="1800" kern="1200">
-                <a:solidFill>
-                  <a:schemeClr val="tx1"/>
-                </a:solidFill>
-                <a:latin typeface="+mn-lt"/>
-                <a:ea typeface="+mn-ea"/>
-                <a:cs typeface="+mn-cs"/>
-              </a:defRPr>
-            </a:lvl4pPr>
-            <a:lvl5pPr marL="1828800" algn="l" defTabSz="914400" rtl="0" eaLnBrk="1" latinLnBrk="0" hangingPunct="1">
-              <a:defRPr sz="1800" kern="1200">
-                <a:solidFill>
-                  <a:schemeClr val="tx1"/>
-                </a:solidFill>
-                <a:latin typeface="+mn-lt"/>
-                <a:ea typeface="+mn-ea"/>
-                <a:cs typeface="+mn-cs"/>
-              </a:defRPr>
-            </a:lvl5pPr>
-            <a:lvl6pPr marL="2286000" algn="l" defTabSz="914400" rtl="0" eaLnBrk="1" latinLnBrk="0" hangingPunct="1">
-              <a:defRPr sz="1800" kern="1200">
-                <a:solidFill>
-                  <a:schemeClr val="tx1"/>
-                </a:solidFill>
-                <a:latin typeface="+mn-lt"/>
-                <a:ea typeface="+mn-ea"/>
-                <a:cs typeface="+mn-cs"/>
-              </a:defRPr>
-            </a:lvl6pPr>
-            <a:lvl7pPr marL="2743200" algn="l" defTabSz="914400" rtl="0" eaLnBrk="1" latinLnBrk="0" hangingPunct="1">
-              <a:defRPr sz="1800" kern="1200">
-                <a:solidFill>
-                  <a:schemeClr val="tx1"/>
-                </a:solidFill>
-                <a:latin typeface="+mn-lt"/>
-                <a:ea typeface="+mn-ea"/>
-                <a:cs typeface="+mn-cs"/>
-              </a:defRPr>
-            </a:lvl7pPr>
-            <a:lvl8pPr marL="3200400" algn="l" defTabSz="914400" rtl="0" eaLnBrk="1" latinLnBrk="0" hangingPunct="1">
-              <a:defRPr sz="1800" kern="1200">
-                <a:solidFill>
-                  <a:schemeClr val="tx1"/>
-                </a:solidFill>
-                <a:latin typeface="+mn-lt"/>
-                <a:ea typeface="+mn-ea"/>
-                <a:cs typeface="+mn-cs"/>
-              </a:defRPr>
-            </a:lvl8pPr>
-            <a:lvl9pPr marL="3657600" algn="l" defTabSz="914400" rtl="0" eaLnBrk="1" latinLnBrk="0" hangingPunct="1">
-              <a:defRPr sz="1800" kern="1200">
-                <a:solidFill>
-                  <a:schemeClr val="tx1"/>
-                </a:solidFill>
-                <a:latin typeface="+mn-lt"/>
-                <a:ea typeface="+mn-ea"/>
-                <a:cs typeface="+mn-cs"/>
-              </a:defRPr>
-            </a:lvl9pPr>
-          </a:lstStyle>
-          <a:p>
-            <a:pPr algn="l"/>
-            <a:r>
-              <a:rPr lang="en-US" dirty="0" smtClean="0">
-                <a:solidFill>
-                  <a:srgbClr val="617081"/>
-                </a:solidFill>
-              </a:rPr>
-              <a:t>Windows Azure</a:t>
-            </a:r>
-            <a:endParaRPr lang="en-US" dirty="0">
-              <a:solidFill>
-                <a:srgbClr val="617081"/>
-              </a:solidFill>
-            </a:endParaRPr>
-          </a:p>
-        </p:txBody>
-      </p:sp>
-      <p:sp>
-        <p:nvSpPr>
           <p:cNvPr id="15" name="Rectangle 14"/>
           <p:cNvSpPr/>
           <p:nvPr userDrawn="1"/>
@@ -18045,138 +17776,6 @@
       </p:sp>
       <p:sp>
         <p:nvSpPr>
-          <p:cNvPr id="14" name="Slide Number Placeholder 5"/>
-          <p:cNvSpPr txBox="1">
-            <a:spLocks/>
-          </p:cNvSpPr>
-          <p:nvPr userDrawn="1"/>
-        </p:nvSpPr>
-        <p:spPr>
-          <a:xfrm>
-            <a:off x="560798" y="6256216"/>
-            <a:ext cx="2743200" cy="365125"/>
-          </a:xfrm>
-          <a:prstGeom prst="rect">
-            <a:avLst/>
-          </a:prstGeom>
-        </p:spPr>
-        <p:txBody>
-          <a:bodyPr vert="horz" lIns="91440" tIns="45720" rIns="91440" bIns="45720" rtlCol="0" anchor="ctr"/>
-          <a:lstStyle>
-            <a:defPPr>
-              <a:defRPr lang="en-US"/>
-            </a:defPPr>
-            <a:lvl1pPr marL="0" algn="r" defTabSz="914400" rtl="0" eaLnBrk="1" latinLnBrk="0" hangingPunct="1">
-              <a:defRPr sz="2000" kern="1200">
-                <a:solidFill>
-                  <a:srgbClr val="289FD7"/>
-                </a:solidFill>
-                <a:latin typeface="+mj-lt"/>
-                <a:ea typeface="+mn-ea"/>
-                <a:cs typeface="+mn-cs"/>
-              </a:defRPr>
-            </a:lvl1pPr>
-            <a:lvl2pPr marL="457200" algn="l" defTabSz="914400" rtl="0" eaLnBrk="1" latinLnBrk="0" hangingPunct="1">
-              <a:defRPr sz="1800" kern="1200">
-                <a:solidFill>
-                  <a:schemeClr val="tx1"/>
-                </a:solidFill>
-                <a:latin typeface="+mn-lt"/>
-                <a:ea typeface="+mn-ea"/>
-                <a:cs typeface="+mn-cs"/>
-              </a:defRPr>
-            </a:lvl2pPr>
-            <a:lvl3pPr marL="914400" algn="l" defTabSz="914400" rtl="0" eaLnBrk="1" latinLnBrk="0" hangingPunct="1">
-              <a:defRPr sz="1800" kern="1200">
-                <a:solidFill>
-                  <a:schemeClr val="tx1"/>
-                </a:solidFill>
-                <a:latin typeface="+mn-lt"/>
-                <a:ea typeface="+mn-ea"/>
-                <a:cs typeface="+mn-cs"/>
-              </a:defRPr>
-            </a:lvl3pPr>
-            <a:lvl4pPr marL="1371600" algn="l" defTabSz="914400" rtl="0" eaLnBrk="1" latinLnBrk="0" hangingPunct="1">
-              <a:defRPr sz="1800" kern="1200">
-                <a:solidFill>
-                  <a:schemeClr val="tx1"/>
-                </a:solidFill>
-                <a:latin typeface="+mn-lt"/>
-                <a:ea typeface="+mn-ea"/>
-                <a:cs typeface="+mn-cs"/>
-              </a:defRPr>
-            </a:lvl4pPr>
-            <a:lvl5pPr marL="1828800" algn="l" defTabSz="914400" rtl="0" eaLnBrk="1" latinLnBrk="0" hangingPunct="1">
-              <a:defRPr sz="1800" kern="1200">
-                <a:solidFill>
-                  <a:schemeClr val="tx1"/>
-                </a:solidFill>
-                <a:latin typeface="+mn-lt"/>
-                <a:ea typeface="+mn-ea"/>
-                <a:cs typeface="+mn-cs"/>
-              </a:defRPr>
-            </a:lvl5pPr>
-            <a:lvl6pPr marL="2286000" algn="l" defTabSz="914400" rtl="0" eaLnBrk="1" latinLnBrk="0" hangingPunct="1">
-              <a:defRPr sz="1800" kern="1200">
-                <a:solidFill>
-                  <a:schemeClr val="tx1"/>
-                </a:solidFill>
-                <a:latin typeface="+mn-lt"/>
-                <a:ea typeface="+mn-ea"/>
-                <a:cs typeface="+mn-cs"/>
-              </a:defRPr>
-            </a:lvl6pPr>
-            <a:lvl7pPr marL="2743200" algn="l" defTabSz="914400" rtl="0" eaLnBrk="1" latinLnBrk="0" hangingPunct="1">
-              <a:defRPr sz="1800" kern="1200">
-                <a:solidFill>
-                  <a:schemeClr val="tx1"/>
-                </a:solidFill>
-                <a:latin typeface="+mn-lt"/>
-                <a:ea typeface="+mn-ea"/>
-                <a:cs typeface="+mn-cs"/>
-              </a:defRPr>
-            </a:lvl7pPr>
-            <a:lvl8pPr marL="3200400" algn="l" defTabSz="914400" rtl="0" eaLnBrk="1" latinLnBrk="0" hangingPunct="1">
-              <a:defRPr sz="1800" kern="1200">
-                <a:solidFill>
-                  <a:schemeClr val="tx1"/>
-                </a:solidFill>
-                <a:latin typeface="+mn-lt"/>
-                <a:ea typeface="+mn-ea"/>
-                <a:cs typeface="+mn-cs"/>
-              </a:defRPr>
-            </a:lvl8pPr>
-            <a:lvl9pPr marL="3657600" algn="l" defTabSz="914400" rtl="0" eaLnBrk="1" latinLnBrk="0" hangingPunct="1">
-              <a:defRPr sz="1800" kern="1200">
-                <a:solidFill>
-                  <a:schemeClr val="tx1"/>
-                </a:solidFill>
-                <a:latin typeface="+mn-lt"/>
-                <a:ea typeface="+mn-ea"/>
-                <a:cs typeface="+mn-cs"/>
-              </a:defRPr>
-            </a:lvl9pPr>
-          </a:lstStyle>
-          <a:p>
-            <a:pPr algn="l"/>
-            <a:r>
-              <a:rPr lang="en-US" dirty="0" smtClean="0">
-                <a:solidFill>
-                  <a:srgbClr val="0171B0"/>
-                </a:solidFill>
-              </a:rPr>
-              <a:t>Windows Azure</a:t>
-            </a:r>
-            <a:endParaRPr lang="en-US" dirty="0">
-              <a:solidFill>
-                <a:srgbClr val="0171B0"/>
-              </a:solidFill>
-            </a:endParaRPr>
-          </a:p>
-        </p:txBody>
-      </p:sp>
-      <p:sp>
-        <p:nvSpPr>
           <p:cNvPr id="15" name="Rectangle 14"/>
           <p:cNvSpPr/>
           <p:nvPr userDrawn="1"/>
@@ -18992,138 +18591,6 @@
       </p:sp>
       <p:sp>
         <p:nvSpPr>
-          <p:cNvPr id="14" name="Slide Number Placeholder 5"/>
-          <p:cNvSpPr txBox="1">
-            <a:spLocks/>
-          </p:cNvSpPr>
-          <p:nvPr userDrawn="1"/>
-        </p:nvSpPr>
-        <p:spPr>
-          <a:xfrm>
-            <a:off x="560798" y="6256216"/>
-            <a:ext cx="2743200" cy="365125"/>
-          </a:xfrm>
-          <a:prstGeom prst="rect">
-            <a:avLst/>
-          </a:prstGeom>
-        </p:spPr>
-        <p:txBody>
-          <a:bodyPr vert="horz" lIns="91440" tIns="45720" rIns="91440" bIns="45720" rtlCol="0" anchor="ctr"/>
-          <a:lstStyle>
-            <a:defPPr>
-              <a:defRPr lang="en-US"/>
-            </a:defPPr>
-            <a:lvl1pPr marL="0" algn="r" defTabSz="914400" rtl="0" eaLnBrk="1" latinLnBrk="0" hangingPunct="1">
-              <a:defRPr sz="2000" kern="1200">
-                <a:solidFill>
-                  <a:srgbClr val="289FD7"/>
-                </a:solidFill>
-                <a:latin typeface="+mj-lt"/>
-                <a:ea typeface="+mn-ea"/>
-                <a:cs typeface="+mn-cs"/>
-              </a:defRPr>
-            </a:lvl1pPr>
-            <a:lvl2pPr marL="457200" algn="l" defTabSz="914400" rtl="0" eaLnBrk="1" latinLnBrk="0" hangingPunct="1">
-              <a:defRPr sz="1800" kern="1200">
-                <a:solidFill>
-                  <a:schemeClr val="tx1"/>
-                </a:solidFill>
-                <a:latin typeface="+mn-lt"/>
-                <a:ea typeface="+mn-ea"/>
-                <a:cs typeface="+mn-cs"/>
-              </a:defRPr>
-            </a:lvl2pPr>
-            <a:lvl3pPr marL="914400" algn="l" defTabSz="914400" rtl="0" eaLnBrk="1" latinLnBrk="0" hangingPunct="1">
-              <a:defRPr sz="1800" kern="1200">
-                <a:solidFill>
-                  <a:schemeClr val="tx1"/>
-                </a:solidFill>
-                <a:latin typeface="+mn-lt"/>
-                <a:ea typeface="+mn-ea"/>
-                <a:cs typeface="+mn-cs"/>
-              </a:defRPr>
-            </a:lvl3pPr>
-            <a:lvl4pPr marL="1371600" algn="l" defTabSz="914400" rtl="0" eaLnBrk="1" latinLnBrk="0" hangingPunct="1">
-              <a:defRPr sz="1800" kern="1200">
-                <a:solidFill>
-                  <a:schemeClr val="tx1"/>
-                </a:solidFill>
-                <a:latin typeface="+mn-lt"/>
-                <a:ea typeface="+mn-ea"/>
-                <a:cs typeface="+mn-cs"/>
-              </a:defRPr>
-            </a:lvl4pPr>
-            <a:lvl5pPr marL="1828800" algn="l" defTabSz="914400" rtl="0" eaLnBrk="1" latinLnBrk="0" hangingPunct="1">
-              <a:defRPr sz="1800" kern="1200">
-                <a:solidFill>
-                  <a:schemeClr val="tx1"/>
-                </a:solidFill>
-                <a:latin typeface="+mn-lt"/>
-                <a:ea typeface="+mn-ea"/>
-                <a:cs typeface="+mn-cs"/>
-              </a:defRPr>
-            </a:lvl5pPr>
-            <a:lvl6pPr marL="2286000" algn="l" defTabSz="914400" rtl="0" eaLnBrk="1" latinLnBrk="0" hangingPunct="1">
-              <a:defRPr sz="1800" kern="1200">
-                <a:solidFill>
-                  <a:schemeClr val="tx1"/>
-                </a:solidFill>
-                <a:latin typeface="+mn-lt"/>
-                <a:ea typeface="+mn-ea"/>
-                <a:cs typeface="+mn-cs"/>
-              </a:defRPr>
-            </a:lvl6pPr>
-            <a:lvl7pPr marL="2743200" algn="l" defTabSz="914400" rtl="0" eaLnBrk="1" latinLnBrk="0" hangingPunct="1">
-              <a:defRPr sz="1800" kern="1200">
-                <a:solidFill>
-                  <a:schemeClr val="tx1"/>
-                </a:solidFill>
-                <a:latin typeface="+mn-lt"/>
-                <a:ea typeface="+mn-ea"/>
-                <a:cs typeface="+mn-cs"/>
-              </a:defRPr>
-            </a:lvl7pPr>
-            <a:lvl8pPr marL="3200400" algn="l" defTabSz="914400" rtl="0" eaLnBrk="1" latinLnBrk="0" hangingPunct="1">
-              <a:defRPr sz="1800" kern="1200">
-                <a:solidFill>
-                  <a:schemeClr val="tx1"/>
-                </a:solidFill>
-                <a:latin typeface="+mn-lt"/>
-                <a:ea typeface="+mn-ea"/>
-                <a:cs typeface="+mn-cs"/>
-              </a:defRPr>
-            </a:lvl8pPr>
-            <a:lvl9pPr marL="3657600" algn="l" defTabSz="914400" rtl="0" eaLnBrk="1" latinLnBrk="0" hangingPunct="1">
-              <a:defRPr sz="1800" kern="1200">
-                <a:solidFill>
-                  <a:schemeClr val="tx1"/>
-                </a:solidFill>
-                <a:latin typeface="+mn-lt"/>
-                <a:ea typeface="+mn-ea"/>
-                <a:cs typeface="+mn-cs"/>
-              </a:defRPr>
-            </a:lvl9pPr>
-          </a:lstStyle>
-          <a:p>
-            <a:pPr algn="l"/>
-            <a:r>
-              <a:rPr lang="en-US" dirty="0" smtClean="0">
-                <a:solidFill>
-                  <a:srgbClr val="289FD7"/>
-                </a:solidFill>
-              </a:rPr>
-              <a:t>Windows Azure</a:t>
-            </a:r>
-            <a:endParaRPr lang="en-US" dirty="0">
-              <a:solidFill>
-                <a:srgbClr val="289FD7"/>
-              </a:solidFill>
-            </a:endParaRPr>
-          </a:p>
-        </p:txBody>
-      </p:sp>
-      <p:sp>
-        <p:nvSpPr>
           <p:cNvPr id="15" name="Rectangle 14"/>
           <p:cNvSpPr/>
           <p:nvPr userDrawn="1"/>
@@ -19939,138 +19406,6 @@
       </p:sp>
       <p:sp>
         <p:nvSpPr>
-          <p:cNvPr id="14" name="Slide Number Placeholder 5"/>
-          <p:cNvSpPr txBox="1">
-            <a:spLocks/>
-          </p:cNvSpPr>
-          <p:nvPr userDrawn="1"/>
-        </p:nvSpPr>
-        <p:spPr>
-          <a:xfrm>
-            <a:off x="560798" y="6256216"/>
-            <a:ext cx="2743200" cy="365125"/>
-          </a:xfrm>
-          <a:prstGeom prst="rect">
-            <a:avLst/>
-          </a:prstGeom>
-        </p:spPr>
-        <p:txBody>
-          <a:bodyPr vert="horz" lIns="91440" tIns="45720" rIns="91440" bIns="45720" rtlCol="0" anchor="ctr"/>
-          <a:lstStyle>
-            <a:defPPr>
-              <a:defRPr lang="en-US"/>
-            </a:defPPr>
-            <a:lvl1pPr marL="0" algn="r" defTabSz="914400" rtl="0" eaLnBrk="1" latinLnBrk="0" hangingPunct="1">
-              <a:defRPr sz="2000" kern="1200">
-                <a:solidFill>
-                  <a:srgbClr val="289FD7"/>
-                </a:solidFill>
-                <a:latin typeface="+mj-lt"/>
-                <a:ea typeface="+mn-ea"/>
-                <a:cs typeface="+mn-cs"/>
-              </a:defRPr>
-            </a:lvl1pPr>
-            <a:lvl2pPr marL="457200" algn="l" defTabSz="914400" rtl="0" eaLnBrk="1" latinLnBrk="0" hangingPunct="1">
-              <a:defRPr sz="1800" kern="1200">
-                <a:solidFill>
-                  <a:schemeClr val="tx1"/>
-                </a:solidFill>
-                <a:latin typeface="+mn-lt"/>
-                <a:ea typeface="+mn-ea"/>
-                <a:cs typeface="+mn-cs"/>
-              </a:defRPr>
-            </a:lvl2pPr>
-            <a:lvl3pPr marL="914400" algn="l" defTabSz="914400" rtl="0" eaLnBrk="1" latinLnBrk="0" hangingPunct="1">
-              <a:defRPr sz="1800" kern="1200">
-                <a:solidFill>
-                  <a:schemeClr val="tx1"/>
-                </a:solidFill>
-                <a:latin typeface="+mn-lt"/>
-                <a:ea typeface="+mn-ea"/>
-                <a:cs typeface="+mn-cs"/>
-              </a:defRPr>
-            </a:lvl3pPr>
-            <a:lvl4pPr marL="1371600" algn="l" defTabSz="914400" rtl="0" eaLnBrk="1" latinLnBrk="0" hangingPunct="1">
-              <a:defRPr sz="1800" kern="1200">
-                <a:solidFill>
-                  <a:schemeClr val="tx1"/>
-                </a:solidFill>
-                <a:latin typeface="+mn-lt"/>
-                <a:ea typeface="+mn-ea"/>
-                <a:cs typeface="+mn-cs"/>
-              </a:defRPr>
-            </a:lvl4pPr>
-            <a:lvl5pPr marL="1828800" algn="l" defTabSz="914400" rtl="0" eaLnBrk="1" latinLnBrk="0" hangingPunct="1">
-              <a:defRPr sz="1800" kern="1200">
-                <a:solidFill>
-                  <a:schemeClr val="tx1"/>
-                </a:solidFill>
-                <a:latin typeface="+mn-lt"/>
-                <a:ea typeface="+mn-ea"/>
-                <a:cs typeface="+mn-cs"/>
-              </a:defRPr>
-            </a:lvl5pPr>
-            <a:lvl6pPr marL="2286000" algn="l" defTabSz="914400" rtl="0" eaLnBrk="1" latinLnBrk="0" hangingPunct="1">
-              <a:defRPr sz="1800" kern="1200">
-                <a:solidFill>
-                  <a:schemeClr val="tx1"/>
-                </a:solidFill>
-                <a:latin typeface="+mn-lt"/>
-                <a:ea typeface="+mn-ea"/>
-                <a:cs typeface="+mn-cs"/>
-              </a:defRPr>
-            </a:lvl6pPr>
-            <a:lvl7pPr marL="2743200" algn="l" defTabSz="914400" rtl="0" eaLnBrk="1" latinLnBrk="0" hangingPunct="1">
-              <a:defRPr sz="1800" kern="1200">
-                <a:solidFill>
-                  <a:schemeClr val="tx1"/>
-                </a:solidFill>
-                <a:latin typeface="+mn-lt"/>
-                <a:ea typeface="+mn-ea"/>
-                <a:cs typeface="+mn-cs"/>
-              </a:defRPr>
-            </a:lvl7pPr>
-            <a:lvl8pPr marL="3200400" algn="l" defTabSz="914400" rtl="0" eaLnBrk="1" latinLnBrk="0" hangingPunct="1">
-              <a:defRPr sz="1800" kern="1200">
-                <a:solidFill>
-                  <a:schemeClr val="tx1"/>
-                </a:solidFill>
-                <a:latin typeface="+mn-lt"/>
-                <a:ea typeface="+mn-ea"/>
-                <a:cs typeface="+mn-cs"/>
-              </a:defRPr>
-            </a:lvl8pPr>
-            <a:lvl9pPr marL="3657600" algn="l" defTabSz="914400" rtl="0" eaLnBrk="1" latinLnBrk="0" hangingPunct="1">
-              <a:defRPr sz="1800" kern="1200">
-                <a:solidFill>
-                  <a:schemeClr val="tx1"/>
-                </a:solidFill>
-                <a:latin typeface="+mn-lt"/>
-                <a:ea typeface="+mn-ea"/>
-                <a:cs typeface="+mn-cs"/>
-              </a:defRPr>
-            </a:lvl9pPr>
-          </a:lstStyle>
-          <a:p>
-            <a:pPr algn="l"/>
-            <a:r>
-              <a:rPr lang="en-US" dirty="0" smtClean="0">
-                <a:solidFill>
-                  <a:srgbClr val="617081"/>
-                </a:solidFill>
-              </a:rPr>
-              <a:t>Windows Azure</a:t>
-            </a:r>
-            <a:endParaRPr lang="en-US" dirty="0">
-              <a:solidFill>
-                <a:srgbClr val="617081"/>
-              </a:solidFill>
-            </a:endParaRPr>
-          </a:p>
-        </p:txBody>
-      </p:sp>
-      <p:sp>
-        <p:nvSpPr>
           <p:cNvPr id="15" name="Rectangle 14"/>
           <p:cNvSpPr/>
           <p:nvPr userDrawn="1"/>
@@ -20821,11 +20156,11 @@
   <p:clrMapOvr>
     <a:masterClrMapping/>
   </p:clrMapOvr>
-  <mc:AlternateContent xmlns:mc="http://schemas.openxmlformats.org/markup-compatibility/2006">
-    <mc:Choice xmlns:p14="http://schemas.microsoft.com/office/powerpoint/2010/main" Requires="p14">
+  <mc:AlternateContent xmlns:mc="http://schemas.openxmlformats.org/markup-compatibility/2006" xmlns:p14="http://schemas.microsoft.com/office/powerpoint/2010/main">
+    <mc:Choice Requires="p14">
       <p:transition spd="slow" p14:dur="2000"/>
     </mc:Choice>
-    <mc:Fallback>
+    <mc:Fallback xmlns="">
       <p:transition spd="slow"/>
     </mc:Fallback>
   </mc:AlternateContent>
@@ -21036,11 +20371,11 @@
   <p:clrMapOvr>
     <a:masterClrMapping/>
   </p:clrMapOvr>
-  <mc:AlternateContent xmlns:mc="http://schemas.openxmlformats.org/markup-compatibility/2006">
-    <mc:Choice xmlns:p14="http://schemas.microsoft.com/office/powerpoint/2010/main" Requires="p14">
+  <mc:AlternateContent xmlns:mc="http://schemas.openxmlformats.org/markup-compatibility/2006" xmlns:p14="http://schemas.microsoft.com/office/powerpoint/2010/main">
+    <mc:Choice Requires="p14">
       <p:transition spd="slow" p14:dur="2000"/>
     </mc:Choice>
-    <mc:Fallback>
+    <mc:Fallback xmlns="">
       <p:transition spd="slow"/>
     </mc:Fallback>
   </mc:AlternateContent>
@@ -23243,7 +22578,12 @@
             <p:ph type="title"/>
           </p:nvPr>
         </p:nvSpPr>
-        <p:spPr/>
+        <p:spPr>
+          <a:xfrm>
+            <a:off x="560798" y="92646"/>
+            <a:ext cx="11079822" cy="1325563"/>
+          </a:xfrm>
+        </p:spPr>
         <p:txBody>
           <a:bodyPr>
             <a:noAutofit/>
@@ -23295,7 +22635,7 @@
               <a:avLst/>
             </a:prstGeom>
             <a:solidFill>
-              <a:schemeClr val="accent4"/>
+              <a:srgbClr val="1D4380"/>
             </a:solidFill>
             <a:ln>
               <a:noFill/>
@@ -23549,7 +22889,7 @@
                   </a:spcAft>
                 </a:pPr>
                 <a:r>
-                  <a:rPr lang="en-US" sz="1620" dirty="0">
+                  <a:rPr lang="en-US" sz="2800" dirty="0">
                     <a:gradFill>
                       <a:gsLst>
                         <a:gs pos="0">
@@ -23622,7 +22962,7 @@
                   </a:spcAft>
                 </a:pPr>
                 <a:r>
-                  <a:rPr lang="en-US" sz="1620" dirty="0">
+                  <a:rPr lang="en-US" sz="2800" dirty="0">
                     <a:gradFill>
                       <a:gsLst>
                         <a:gs pos="0">
@@ -23695,7 +23035,7 @@
                   </a:spcAft>
                 </a:pPr>
                 <a:r>
-                  <a:rPr lang="en-US" sz="1620" dirty="0">
+                  <a:rPr lang="en-US" sz="2800" dirty="0">
                     <a:gradFill>
                       <a:gsLst>
                         <a:gs pos="0">
@@ -23743,7 +23083,7 @@
                 <a:avLst/>
               </a:prstGeom>
               <a:solidFill>
-                <a:schemeClr val="accent2"/>
+                <a:srgbClr val="009950"/>
               </a:solidFill>
               <a:ln>
                 <a:noFill/>
@@ -23783,7 +23123,7 @@
                   </a:spcAft>
                 </a:pPr>
                 <a:r>
-                  <a:rPr lang="en-US" sz="1620" dirty="0">
+                  <a:rPr lang="en-US" sz="2800" dirty="0">
                     <a:gradFill>
                       <a:gsLst>
                         <a:gs pos="0">
@@ -23816,7 +23156,7 @@
                 <a:avLst/>
               </a:prstGeom>
               <a:solidFill>
-                <a:schemeClr val="accent2"/>
+                <a:srgbClr val="009950"/>
               </a:solidFill>
               <a:ln>
                 <a:noFill/>
@@ -23856,7 +23196,7 @@
                   </a:spcAft>
                 </a:pPr>
                 <a:r>
-                  <a:rPr lang="en-US" sz="1620" dirty="0">
+                  <a:rPr lang="en-US" sz="2800" dirty="0">
                     <a:gradFill>
                       <a:gsLst>
                         <a:gs pos="0">
@@ -23889,7 +23229,7 @@
                 <a:avLst/>
               </a:prstGeom>
               <a:solidFill>
-                <a:schemeClr val="accent2"/>
+                <a:srgbClr val="009950"/>
               </a:solidFill>
               <a:ln>
                 <a:noFill/>
@@ -23929,7 +23269,7 @@
                   </a:spcAft>
                 </a:pPr>
                 <a:r>
-                  <a:rPr lang="en-US" sz="1620" dirty="0">
+                  <a:rPr lang="en-US" sz="2800" dirty="0">
                     <a:gradFill>
                       <a:gsLst>
                         <a:gs pos="0">
@@ -23962,7 +23302,7 @@
                 <a:avLst/>
               </a:prstGeom>
               <a:solidFill>
-                <a:schemeClr val="accent2"/>
+                <a:srgbClr val="009950"/>
               </a:solidFill>
               <a:ln>
                 <a:noFill/>
@@ -24002,7 +23342,7 @@
                   </a:spcAft>
                 </a:pPr>
                 <a:r>
-                  <a:rPr lang="en-US" sz="1620" dirty="0">
+                  <a:rPr lang="en-US" sz="2800" dirty="0">
                     <a:gradFill>
                       <a:gsLst>
                         <a:gs pos="0">
@@ -24037,7 +23377,7 @@
             <a:avLst/>
           </a:prstGeom>
           <a:solidFill>
-            <a:schemeClr val="accent2"/>
+            <a:srgbClr val="E34F24"/>
           </a:solidFill>
           <a:ln>
             <a:noFill/>
@@ -24176,7 +23516,7 @@
             <p:nvPr/>
           </p:nvPicPr>
           <p:blipFill>
-            <a:blip r:embed="rId2">
+            <a:blip r:embed="rId3">
               <a:extLst>
                 <a:ext uri="{28A0092B-C50C-407E-A947-70E740481C1C}">
                   <a14:useLocalDpi xmlns:a14="http://schemas.microsoft.com/office/drawing/2010/main" val="0"/>
@@ -24431,7 +23771,7 @@
 </file>
 
 <file path=ppt/slides/slide4.xml><?xml version="1.0" encoding="utf-8"?>
-<p:sld xmlns:a="http://schemas.openxmlformats.org/drawingml/2006/main" xmlns:r="http://schemas.openxmlformats.org/officeDocument/2006/relationships" xmlns:p="http://schemas.openxmlformats.org/presentationml/2006/main">
+<p:sld xmlns:a="http://schemas.openxmlformats.org/drawingml/2006/main" xmlns:r="http://schemas.openxmlformats.org/officeDocument/2006/relationships" xmlns:p="http://schemas.openxmlformats.org/presentationml/2006/main" show="0">
   <p:cSld>
     <p:spTree>
       <p:nvGrpSpPr>
@@ -24528,6 +23868,14 @@
   <p:clrMapOvr>
     <a:masterClrMapping/>
   </p:clrMapOvr>
+  <mc:AlternateContent xmlns:mc="http://schemas.openxmlformats.org/markup-compatibility/2006">
+    <mc:Choice xmlns:p14="http://schemas.microsoft.com/office/powerpoint/2010/main" Requires="p14">
+      <p:transition spd="slow" p14:dur="2000"/>
+    </mc:Choice>
+    <mc:Fallback>
+      <p:transition spd="slow"/>
+    </mc:Fallback>
+  </mc:AlternateContent>
   <p:timing>
     <p:tnLst>
       <p:par>
@@ -27068,7 +26416,7 @@
           <a:graphicData uri="http://schemas.openxmlformats.org/presentationml/2006/ole">
             <mc:AlternateContent xmlns:mc="http://schemas.openxmlformats.org/markup-compatibility/2006">
               <mc:Choice xmlns:v="urn:schemas-microsoft-com:vml" Requires="v">
-                <p:oleObj spid="_x0000_s1032" name="think-cell Slide" r:id="rId6" imgW="270" imgH="270" progId="TCLayout.ActiveDocument.1">
+                <p:oleObj spid="_x0000_s1036" name="think-cell Slide" r:id="rId6" imgW="270" imgH="270" progId="TCLayout.ActiveDocument.1">
                   <p:embed/>
                 </p:oleObj>
               </mc:Choice>
@@ -27136,1181 +26484,6 @@
           </a:p>
         </p:txBody>
       </p:sp>
-      <p:grpSp>
-        <p:nvGrpSpPr>
-          <p:cNvPr id="10" name="Group 9"/>
-          <p:cNvGrpSpPr/>
-          <p:nvPr/>
-        </p:nvGrpSpPr>
-        <p:grpSpPr bwMode="black">
-          <a:xfrm>
-            <a:off x="8302441" y="3844878"/>
-            <a:ext cx="3266809" cy="2657692"/>
-            <a:chOff x="5184775" y="225425"/>
-            <a:chExt cx="1500188" cy="1220788"/>
-          </a:xfrm>
-          <a:solidFill>
-            <a:schemeClr val="tx1">
-              <a:lumMod val="10000"/>
-              <a:lumOff val="90000"/>
-            </a:schemeClr>
-          </a:solidFill>
-        </p:grpSpPr>
-        <p:sp>
-          <p:nvSpPr>
-            <p:cNvPr id="11" name="Freeform 86"/>
-            <p:cNvSpPr>
-              <a:spLocks noEditPoints="1"/>
-            </p:cNvSpPr>
-            <p:nvPr/>
-          </p:nvSpPr>
-          <p:spPr bwMode="black">
-            <a:xfrm>
-              <a:off x="5184775" y="344488"/>
-              <a:ext cx="1095375" cy="1101725"/>
-            </a:xfrm>
-            <a:custGeom>
-              <a:avLst/>
-              <a:gdLst>
-                <a:gd name="T0" fmla="*/ 287 w 292"/>
-                <a:gd name="T1" fmla="*/ 113 h 294"/>
-                <a:gd name="T2" fmla="*/ 239 w 292"/>
-                <a:gd name="T3" fmla="*/ 105 h 294"/>
-                <a:gd name="T4" fmla="*/ 252 w 292"/>
-                <a:gd name="T5" fmla="*/ 58 h 294"/>
-                <a:gd name="T6" fmla="*/ 229 w 292"/>
-                <a:gd name="T7" fmla="*/ 32 h 294"/>
-                <a:gd name="T8" fmla="*/ 187 w 292"/>
-                <a:gd name="T9" fmla="*/ 57 h 294"/>
-                <a:gd name="T10" fmla="*/ 167 w 292"/>
-                <a:gd name="T11" fmla="*/ 6 h 294"/>
-                <a:gd name="T12" fmla="*/ 132 w 292"/>
-                <a:gd name="T13" fmla="*/ 0 h 294"/>
-                <a:gd name="T14" fmla="*/ 115 w 292"/>
-                <a:gd name="T15" fmla="*/ 53 h 294"/>
-                <a:gd name="T16" fmla="*/ 72 w 292"/>
-                <a:gd name="T17" fmla="*/ 31 h 294"/>
-                <a:gd name="T18" fmla="*/ 42 w 292"/>
-                <a:gd name="T19" fmla="*/ 49 h 294"/>
-                <a:gd name="T20" fmla="*/ 59 w 292"/>
-                <a:gd name="T21" fmla="*/ 95 h 294"/>
-                <a:gd name="T22" fmla="*/ 12 w 292"/>
-                <a:gd name="T23" fmla="*/ 107 h 294"/>
-                <a:gd name="T24" fmla="*/ 0 w 292"/>
-                <a:gd name="T25" fmla="*/ 140 h 294"/>
-                <a:gd name="T26" fmla="*/ 43 w 292"/>
-                <a:gd name="T27" fmla="*/ 164 h 294"/>
-                <a:gd name="T28" fmla="*/ 14 w 292"/>
-                <a:gd name="T29" fmla="*/ 204 h 294"/>
-                <a:gd name="T30" fmla="*/ 27 w 292"/>
-                <a:gd name="T31" fmla="*/ 237 h 294"/>
-                <a:gd name="T32" fmla="*/ 75 w 292"/>
-                <a:gd name="T33" fmla="*/ 227 h 294"/>
-                <a:gd name="T34" fmla="*/ 79 w 292"/>
-                <a:gd name="T35" fmla="*/ 276 h 294"/>
-                <a:gd name="T36" fmla="*/ 109 w 292"/>
-                <a:gd name="T37" fmla="*/ 293 h 294"/>
-                <a:gd name="T38" fmla="*/ 140 w 292"/>
-                <a:gd name="T39" fmla="*/ 255 h 294"/>
-                <a:gd name="T40" fmla="*/ 152 w 292"/>
-                <a:gd name="T41" fmla="*/ 255 h 294"/>
-                <a:gd name="T42" fmla="*/ 183 w 292"/>
-                <a:gd name="T43" fmla="*/ 293 h 294"/>
-                <a:gd name="T44" fmla="*/ 213 w 292"/>
-                <a:gd name="T45" fmla="*/ 276 h 294"/>
-                <a:gd name="T46" fmla="*/ 217 w 292"/>
-                <a:gd name="T47" fmla="*/ 227 h 294"/>
-                <a:gd name="T48" fmla="*/ 265 w 292"/>
-                <a:gd name="T49" fmla="*/ 237 h 294"/>
-                <a:gd name="T50" fmla="*/ 278 w 292"/>
-                <a:gd name="T51" fmla="*/ 204 h 294"/>
-                <a:gd name="T52" fmla="*/ 249 w 292"/>
-                <a:gd name="T53" fmla="*/ 164 h 294"/>
-                <a:gd name="T54" fmla="*/ 292 w 292"/>
-                <a:gd name="T55" fmla="*/ 140 h 294"/>
-                <a:gd name="T56" fmla="*/ 187 w 292"/>
-                <a:gd name="T57" fmla="*/ 193 h 294"/>
-                <a:gd name="T58" fmla="*/ 105 w 292"/>
-                <a:gd name="T59" fmla="*/ 193 h 294"/>
-                <a:gd name="T60" fmla="*/ 105 w 292"/>
-                <a:gd name="T61" fmla="*/ 111 h 294"/>
-                <a:gd name="T62" fmla="*/ 187 w 292"/>
-                <a:gd name="T63" fmla="*/ 111 h 294"/>
-              </a:gdLst>
-              <a:ahLst/>
-              <a:cxnLst>
-                <a:cxn ang="0">
-                  <a:pos x="T0" y="T1"/>
-                </a:cxn>
-                <a:cxn ang="0">
-                  <a:pos x="T2" y="T3"/>
-                </a:cxn>
-                <a:cxn ang="0">
-                  <a:pos x="T4" y="T5"/>
-                </a:cxn>
-                <a:cxn ang="0">
-                  <a:pos x="T6" y="T7"/>
-                </a:cxn>
-                <a:cxn ang="0">
-                  <a:pos x="T8" y="T9"/>
-                </a:cxn>
-                <a:cxn ang="0">
-                  <a:pos x="T10" y="T11"/>
-                </a:cxn>
-                <a:cxn ang="0">
-                  <a:pos x="T12" y="T13"/>
-                </a:cxn>
-                <a:cxn ang="0">
-                  <a:pos x="T14" y="T15"/>
-                </a:cxn>
-                <a:cxn ang="0">
-                  <a:pos x="T16" y="T17"/>
-                </a:cxn>
-                <a:cxn ang="0">
-                  <a:pos x="T18" y="T19"/>
-                </a:cxn>
-                <a:cxn ang="0">
-                  <a:pos x="T20" y="T21"/>
-                </a:cxn>
-                <a:cxn ang="0">
-                  <a:pos x="T22" y="T23"/>
-                </a:cxn>
-                <a:cxn ang="0">
-                  <a:pos x="T24" y="T25"/>
-                </a:cxn>
-                <a:cxn ang="0">
-                  <a:pos x="T26" y="T27"/>
-                </a:cxn>
-                <a:cxn ang="0">
-                  <a:pos x="T28" y="T29"/>
-                </a:cxn>
-                <a:cxn ang="0">
-                  <a:pos x="T30" y="T31"/>
-                </a:cxn>
-                <a:cxn ang="0">
-                  <a:pos x="T32" y="T33"/>
-                </a:cxn>
-                <a:cxn ang="0">
-                  <a:pos x="T34" y="T35"/>
-                </a:cxn>
-                <a:cxn ang="0">
-                  <a:pos x="T36" y="T37"/>
-                </a:cxn>
-                <a:cxn ang="0">
-                  <a:pos x="T38" y="T39"/>
-                </a:cxn>
-                <a:cxn ang="0">
-                  <a:pos x="T40" y="T41"/>
-                </a:cxn>
-                <a:cxn ang="0">
-                  <a:pos x="T42" y="T43"/>
-                </a:cxn>
-                <a:cxn ang="0">
-                  <a:pos x="T44" y="T45"/>
-                </a:cxn>
-                <a:cxn ang="0">
-                  <a:pos x="T46" y="T47"/>
-                </a:cxn>
-                <a:cxn ang="0">
-                  <a:pos x="T48" y="T49"/>
-                </a:cxn>
-                <a:cxn ang="0">
-                  <a:pos x="T50" y="T51"/>
-                </a:cxn>
-                <a:cxn ang="0">
-                  <a:pos x="T52" y="T53"/>
-                </a:cxn>
-                <a:cxn ang="0">
-                  <a:pos x="T54" y="T55"/>
-                </a:cxn>
-                <a:cxn ang="0">
-                  <a:pos x="T56" y="T57"/>
-                </a:cxn>
-                <a:cxn ang="0">
-                  <a:pos x="T58" y="T59"/>
-                </a:cxn>
-                <a:cxn ang="0">
-                  <a:pos x="T60" y="T61"/>
-                </a:cxn>
-                <a:cxn ang="0">
-                  <a:pos x="T62" y="T63"/>
-                </a:cxn>
-              </a:cxnLst>
-              <a:rect l="0" t="0" r="r" b="b"/>
-              <a:pathLst>
-                <a:path w="292" h="294">
-                  <a:moveTo>
-                    <a:pt x="292" y="140"/>
-                  </a:moveTo>
-                  <a:cubicBezTo>
-                    <a:pt x="287" y="113"/>
-                    <a:pt x="287" y="113"/>
-                    <a:pt x="287" y="113"/>
-                  </a:cubicBezTo>
-                  <a:cubicBezTo>
-                    <a:pt x="286" y="110"/>
-                    <a:pt x="284" y="108"/>
-                    <a:pt x="280" y="107"/>
-                  </a:cubicBezTo>
-                  <a:cubicBezTo>
-                    <a:pt x="239" y="105"/>
-                    <a:pt x="239" y="105"/>
-                    <a:pt x="239" y="105"/>
-                  </a:cubicBezTo>
-                  <a:cubicBezTo>
-                    <a:pt x="237" y="102"/>
-                    <a:pt x="235" y="98"/>
-                    <a:pt x="233" y="95"/>
-                  </a:cubicBezTo>
-                  <a:cubicBezTo>
-                    <a:pt x="252" y="58"/>
-                    <a:pt x="252" y="58"/>
-                    <a:pt x="252" y="58"/>
-                  </a:cubicBezTo>
-                  <a:cubicBezTo>
-                    <a:pt x="254" y="55"/>
-                    <a:pt x="253" y="51"/>
-                    <a:pt x="250" y="49"/>
-                  </a:cubicBezTo>
-                  <a:cubicBezTo>
-                    <a:pt x="229" y="32"/>
-                    <a:pt x="229" y="32"/>
-                    <a:pt x="229" y="32"/>
-                  </a:cubicBezTo>
-                  <a:cubicBezTo>
-                    <a:pt x="227" y="29"/>
-                    <a:pt x="223" y="29"/>
-                    <a:pt x="220" y="31"/>
-                  </a:cubicBezTo>
-                  <a:cubicBezTo>
-                    <a:pt x="187" y="57"/>
-                    <a:pt x="187" y="57"/>
-                    <a:pt x="187" y="57"/>
-                  </a:cubicBezTo>
-                  <a:cubicBezTo>
-                    <a:pt x="184" y="55"/>
-                    <a:pt x="181" y="54"/>
-                    <a:pt x="177" y="53"/>
-                  </a:cubicBezTo>
-                  <a:cubicBezTo>
-                    <a:pt x="167" y="6"/>
-                    <a:pt x="167" y="6"/>
-                    <a:pt x="167" y="6"/>
-                  </a:cubicBezTo>
-                  <a:cubicBezTo>
-                    <a:pt x="166" y="3"/>
-                    <a:pt x="163" y="0"/>
-                    <a:pt x="160" y="0"/>
-                  </a:cubicBezTo>
-                  <a:cubicBezTo>
-                    <a:pt x="132" y="0"/>
-                    <a:pt x="132" y="0"/>
-                    <a:pt x="132" y="0"/>
-                  </a:cubicBezTo>
-                  <a:cubicBezTo>
-                    <a:pt x="129" y="0"/>
-                    <a:pt x="126" y="3"/>
-                    <a:pt x="125" y="6"/>
-                  </a:cubicBezTo>
-                  <a:cubicBezTo>
-                    <a:pt x="115" y="53"/>
-                    <a:pt x="115" y="53"/>
-                    <a:pt x="115" y="53"/>
-                  </a:cubicBezTo>
-                  <a:cubicBezTo>
-                    <a:pt x="111" y="54"/>
-                    <a:pt x="108" y="55"/>
-                    <a:pt x="105" y="57"/>
-                  </a:cubicBezTo>
-                  <a:cubicBezTo>
-                    <a:pt x="72" y="31"/>
-                    <a:pt x="72" y="31"/>
-                    <a:pt x="72" y="31"/>
-                  </a:cubicBezTo>
-                  <a:cubicBezTo>
-                    <a:pt x="69" y="29"/>
-                    <a:pt x="65" y="29"/>
-                    <a:pt x="63" y="31"/>
-                  </a:cubicBezTo>
-                  <a:cubicBezTo>
-                    <a:pt x="42" y="49"/>
-                    <a:pt x="42" y="49"/>
-                    <a:pt x="42" y="49"/>
-                  </a:cubicBezTo>
-                  <a:cubicBezTo>
-                    <a:pt x="39" y="51"/>
-                    <a:pt x="39" y="55"/>
-                    <a:pt x="40" y="58"/>
-                  </a:cubicBezTo>
-                  <a:cubicBezTo>
-                    <a:pt x="59" y="95"/>
-                    <a:pt x="59" y="95"/>
-                    <a:pt x="59" y="95"/>
-                  </a:cubicBezTo>
-                  <a:cubicBezTo>
-                    <a:pt x="57" y="98"/>
-                    <a:pt x="55" y="102"/>
-                    <a:pt x="53" y="105"/>
-                  </a:cubicBezTo>
-                  <a:cubicBezTo>
-                    <a:pt x="12" y="107"/>
-                    <a:pt x="12" y="107"/>
-                    <a:pt x="12" y="107"/>
-                  </a:cubicBezTo>
-                  <a:cubicBezTo>
-                    <a:pt x="8" y="107"/>
-                    <a:pt x="6" y="110"/>
-                    <a:pt x="5" y="113"/>
-                  </a:cubicBezTo>
-                  <a:cubicBezTo>
-                    <a:pt x="0" y="140"/>
-                    <a:pt x="0" y="140"/>
-                    <a:pt x="0" y="140"/>
-                  </a:cubicBezTo>
-                  <a:cubicBezTo>
-                    <a:pt x="0" y="143"/>
-                    <a:pt x="1" y="147"/>
-                    <a:pt x="4" y="148"/>
-                  </a:cubicBezTo>
-                  <a:cubicBezTo>
-                    <a:pt x="43" y="164"/>
-                    <a:pt x="43" y="164"/>
-                    <a:pt x="43" y="164"/>
-                  </a:cubicBezTo>
-                  <a:cubicBezTo>
-                    <a:pt x="44" y="168"/>
-                    <a:pt x="44" y="172"/>
-                    <a:pt x="45" y="176"/>
-                  </a:cubicBezTo>
-                  <a:cubicBezTo>
-                    <a:pt x="14" y="204"/>
-                    <a:pt x="14" y="204"/>
-                    <a:pt x="14" y="204"/>
-                  </a:cubicBezTo>
-                  <a:cubicBezTo>
-                    <a:pt x="12" y="206"/>
-                    <a:pt x="11" y="210"/>
-                    <a:pt x="13" y="213"/>
-                  </a:cubicBezTo>
-                  <a:cubicBezTo>
-                    <a:pt x="27" y="237"/>
-                    <a:pt x="27" y="237"/>
-                    <a:pt x="27" y="237"/>
-                  </a:cubicBezTo>
-                  <a:cubicBezTo>
-                    <a:pt x="28" y="239"/>
-                    <a:pt x="32" y="241"/>
-                    <a:pt x="35" y="240"/>
-                  </a:cubicBezTo>
-                  <a:cubicBezTo>
-                    <a:pt x="75" y="227"/>
-                    <a:pt x="75" y="227"/>
-                    <a:pt x="75" y="227"/>
-                  </a:cubicBezTo>
-                  <a:cubicBezTo>
-                    <a:pt x="78" y="230"/>
-                    <a:pt x="81" y="233"/>
-                    <a:pt x="84" y="235"/>
-                  </a:cubicBezTo>
-                  <a:cubicBezTo>
-                    <a:pt x="79" y="276"/>
-                    <a:pt x="79" y="276"/>
-                    <a:pt x="79" y="276"/>
-                  </a:cubicBezTo>
-                  <a:cubicBezTo>
-                    <a:pt x="78" y="280"/>
-                    <a:pt x="80" y="283"/>
-                    <a:pt x="83" y="284"/>
-                  </a:cubicBezTo>
-                  <a:cubicBezTo>
-                    <a:pt x="109" y="293"/>
-                    <a:pt x="109" y="293"/>
-                    <a:pt x="109" y="293"/>
-                  </a:cubicBezTo>
-                  <a:cubicBezTo>
-                    <a:pt x="112" y="294"/>
-                    <a:pt x="116" y="293"/>
-                    <a:pt x="118" y="291"/>
-                  </a:cubicBezTo>
-                  <a:cubicBezTo>
-                    <a:pt x="140" y="255"/>
-                    <a:pt x="140" y="255"/>
-                    <a:pt x="140" y="255"/>
-                  </a:cubicBezTo>
-                  <a:cubicBezTo>
-                    <a:pt x="142" y="255"/>
-                    <a:pt x="144" y="256"/>
-                    <a:pt x="146" y="256"/>
-                  </a:cubicBezTo>
-                  <a:cubicBezTo>
-                    <a:pt x="148" y="256"/>
-                    <a:pt x="150" y="255"/>
-                    <a:pt x="152" y="255"/>
-                  </a:cubicBezTo>
-                  <a:cubicBezTo>
-                    <a:pt x="174" y="291"/>
-                    <a:pt x="174" y="291"/>
-                    <a:pt x="174" y="291"/>
-                  </a:cubicBezTo>
-                  <a:cubicBezTo>
-                    <a:pt x="176" y="293"/>
-                    <a:pt x="180" y="294"/>
-                    <a:pt x="183" y="293"/>
-                  </a:cubicBezTo>
-                  <a:cubicBezTo>
-                    <a:pt x="209" y="284"/>
-                    <a:pt x="209" y="284"/>
-                    <a:pt x="209" y="284"/>
-                  </a:cubicBezTo>
-                  <a:cubicBezTo>
-                    <a:pt x="212" y="283"/>
-                    <a:pt x="214" y="280"/>
-                    <a:pt x="213" y="276"/>
-                  </a:cubicBezTo>
-                  <a:cubicBezTo>
-                    <a:pt x="208" y="235"/>
-                    <a:pt x="208" y="235"/>
-                    <a:pt x="208" y="235"/>
-                  </a:cubicBezTo>
-                  <a:cubicBezTo>
-                    <a:pt x="211" y="232"/>
-                    <a:pt x="214" y="230"/>
-                    <a:pt x="217" y="227"/>
-                  </a:cubicBezTo>
-                  <a:cubicBezTo>
-                    <a:pt x="257" y="240"/>
-                    <a:pt x="257" y="240"/>
-                    <a:pt x="257" y="240"/>
-                  </a:cubicBezTo>
-                  <a:cubicBezTo>
-                    <a:pt x="260" y="241"/>
-                    <a:pt x="264" y="239"/>
-                    <a:pt x="265" y="237"/>
-                  </a:cubicBezTo>
-                  <a:cubicBezTo>
-                    <a:pt x="279" y="213"/>
-                    <a:pt x="279" y="213"/>
-                    <a:pt x="279" y="213"/>
-                  </a:cubicBezTo>
-                  <a:cubicBezTo>
-                    <a:pt x="281" y="210"/>
-                    <a:pt x="280" y="206"/>
-                    <a:pt x="278" y="204"/>
-                  </a:cubicBezTo>
-                  <a:cubicBezTo>
-                    <a:pt x="247" y="176"/>
-                    <a:pt x="247" y="176"/>
-                    <a:pt x="247" y="176"/>
-                  </a:cubicBezTo>
-                  <a:cubicBezTo>
-                    <a:pt x="248" y="172"/>
-                    <a:pt x="248" y="168"/>
-                    <a:pt x="249" y="164"/>
-                  </a:cubicBezTo>
-                  <a:cubicBezTo>
-                    <a:pt x="288" y="148"/>
-                    <a:pt x="288" y="148"/>
-                    <a:pt x="288" y="148"/>
-                  </a:cubicBezTo>
-                  <a:cubicBezTo>
-                    <a:pt x="291" y="147"/>
-                    <a:pt x="292" y="144"/>
-                    <a:pt x="292" y="140"/>
-                  </a:cubicBezTo>
-                  <a:close/>
-                  <a:moveTo>
-                    <a:pt x="204" y="152"/>
-                  </a:moveTo>
-                  <a:cubicBezTo>
-                    <a:pt x="204" y="168"/>
-                    <a:pt x="197" y="182"/>
-                    <a:pt x="187" y="193"/>
-                  </a:cubicBezTo>
-                  <a:cubicBezTo>
-                    <a:pt x="176" y="203"/>
-                    <a:pt x="162" y="210"/>
-                    <a:pt x="146" y="210"/>
-                  </a:cubicBezTo>
-                  <a:cubicBezTo>
-                    <a:pt x="130" y="210"/>
-                    <a:pt x="116" y="203"/>
-                    <a:pt x="105" y="193"/>
-                  </a:cubicBezTo>
-                  <a:cubicBezTo>
-                    <a:pt x="95" y="182"/>
-                    <a:pt x="88" y="168"/>
-                    <a:pt x="88" y="152"/>
-                  </a:cubicBezTo>
-                  <a:cubicBezTo>
-                    <a:pt x="88" y="136"/>
-                    <a:pt x="95" y="121"/>
-                    <a:pt x="105" y="111"/>
-                  </a:cubicBezTo>
-                  <a:cubicBezTo>
-                    <a:pt x="116" y="100"/>
-                    <a:pt x="130" y="94"/>
-                    <a:pt x="146" y="94"/>
-                  </a:cubicBezTo>
-                  <a:cubicBezTo>
-                    <a:pt x="162" y="94"/>
-                    <a:pt x="176" y="100"/>
-                    <a:pt x="187" y="111"/>
-                  </a:cubicBezTo>
-                  <a:cubicBezTo>
-                    <a:pt x="197" y="121"/>
-                    <a:pt x="204" y="136"/>
-                    <a:pt x="204" y="152"/>
-                  </a:cubicBezTo>
-                  <a:close/>
-                </a:path>
-              </a:pathLst>
-            </a:custGeom>
-            <a:grpFill/>
-            <a:ln>
-              <a:noFill/>
-            </a:ln>
-            <a:extLst>
-              <a:ext uri="{91240B29-F687-4F45-9708-019B960494DF}">
-                <a14:hiddenLine xmlns:a14="http://schemas.microsoft.com/office/drawing/2010/main" w="9525">
-                  <a:solidFill>
-                    <a:srgbClr val="000000"/>
-                  </a:solidFill>
-                  <a:round/>
-                  <a:headEnd/>
-                  <a:tailEnd/>
-                </a14:hiddenLine>
-              </a:ext>
-            </a:extLst>
-          </p:spPr>
-          <p:txBody>
-            <a:bodyPr vert="horz" wrap="square" lIns="91440" tIns="45720" rIns="91440" bIns="45720" numCol="1" anchor="t" anchorCtr="0" compatLnSpc="1">
-              <a:prstTxWarp prst="textNoShape">
-                <a:avLst/>
-              </a:prstTxWarp>
-            </a:bodyPr>
-            <a:lstStyle/>
-            <a:p>
-              <a:endParaRPr lang="en-US" sz="1600"/>
-            </a:p>
-          </p:txBody>
-        </p:sp>
-        <p:sp>
-          <p:nvSpPr>
-            <p:cNvPr id="12" name="Oval 87"/>
-            <p:cNvSpPr>
-              <a:spLocks noChangeArrowheads="1"/>
-            </p:cNvSpPr>
-            <p:nvPr/>
-          </p:nvSpPr>
-          <p:spPr bwMode="black">
-            <a:xfrm>
-              <a:off x="5630863" y="812800"/>
-              <a:ext cx="203200" cy="203200"/>
-            </a:xfrm>
-            <a:prstGeom prst="ellipse">
-              <a:avLst/>
-            </a:prstGeom>
-            <a:grpFill/>
-            <a:ln>
-              <a:noFill/>
-            </a:ln>
-            <a:extLst>
-              <a:ext uri="{91240B29-F687-4F45-9708-019B960494DF}">
-                <a14:hiddenLine xmlns:a14="http://schemas.microsoft.com/office/drawing/2010/main" w="9525">
-                  <a:solidFill>
-                    <a:srgbClr val="000000"/>
-                  </a:solidFill>
-                  <a:round/>
-                  <a:headEnd/>
-                  <a:tailEnd/>
-                </a14:hiddenLine>
-              </a:ext>
-            </a:extLst>
-          </p:spPr>
-          <p:txBody>
-            <a:bodyPr vert="horz" wrap="square" lIns="91440" tIns="45720" rIns="91440" bIns="45720" numCol="1" anchor="t" anchorCtr="0" compatLnSpc="1">
-              <a:prstTxWarp prst="textNoShape">
-                <a:avLst/>
-              </a:prstTxWarp>
-            </a:bodyPr>
-            <a:lstStyle/>
-            <a:p>
-              <a:endParaRPr lang="en-US" sz="1600"/>
-            </a:p>
-          </p:txBody>
-        </p:sp>
-        <p:sp>
-          <p:nvSpPr>
-            <p:cNvPr id="13" name="Freeform 88"/>
-            <p:cNvSpPr>
-              <a:spLocks noEditPoints="1"/>
-            </p:cNvSpPr>
-            <p:nvPr/>
-          </p:nvSpPr>
-          <p:spPr bwMode="black">
-            <a:xfrm>
-              <a:off x="6129338" y="225425"/>
-              <a:ext cx="555625" cy="598488"/>
-            </a:xfrm>
-            <a:custGeom>
-              <a:avLst/>
-              <a:gdLst>
-                <a:gd name="T0" fmla="*/ 129 w 148"/>
-                <a:gd name="T1" fmla="*/ 91 h 160"/>
-                <a:gd name="T2" fmla="*/ 131 w 148"/>
-                <a:gd name="T3" fmla="*/ 80 h 160"/>
-                <a:gd name="T4" fmla="*/ 129 w 148"/>
-                <a:gd name="T5" fmla="*/ 70 h 160"/>
-                <a:gd name="T6" fmla="*/ 145 w 148"/>
-                <a:gd name="T7" fmla="*/ 55 h 160"/>
-                <a:gd name="T8" fmla="*/ 147 w 148"/>
-                <a:gd name="T9" fmla="*/ 50 h 160"/>
-                <a:gd name="T10" fmla="*/ 147 w 148"/>
-                <a:gd name="T11" fmla="*/ 46 h 160"/>
-                <a:gd name="T12" fmla="*/ 140 w 148"/>
-                <a:gd name="T13" fmla="*/ 34 h 160"/>
-                <a:gd name="T14" fmla="*/ 133 w 148"/>
-                <a:gd name="T15" fmla="*/ 31 h 160"/>
-                <a:gd name="T16" fmla="*/ 131 w 148"/>
-                <a:gd name="T17" fmla="*/ 31 h 160"/>
-                <a:gd name="T18" fmla="*/ 111 w 148"/>
-                <a:gd name="T19" fmla="*/ 37 h 160"/>
-                <a:gd name="T20" fmla="*/ 92 w 148"/>
-                <a:gd name="T21" fmla="*/ 27 h 160"/>
-                <a:gd name="T22" fmla="*/ 88 w 148"/>
-                <a:gd name="T23" fmla="*/ 6 h 160"/>
-                <a:gd name="T24" fmla="*/ 81 w 148"/>
-                <a:gd name="T25" fmla="*/ 0 h 160"/>
-                <a:gd name="T26" fmla="*/ 67 w 148"/>
-                <a:gd name="T27" fmla="*/ 0 h 160"/>
-                <a:gd name="T28" fmla="*/ 60 w 148"/>
-                <a:gd name="T29" fmla="*/ 6 h 160"/>
-                <a:gd name="T30" fmla="*/ 55 w 148"/>
-                <a:gd name="T31" fmla="*/ 27 h 160"/>
-                <a:gd name="T32" fmla="*/ 37 w 148"/>
-                <a:gd name="T33" fmla="*/ 38 h 160"/>
-                <a:gd name="T34" fmla="*/ 16 w 148"/>
-                <a:gd name="T35" fmla="*/ 31 h 160"/>
-                <a:gd name="T36" fmla="*/ 14 w 148"/>
-                <a:gd name="T37" fmla="*/ 31 h 160"/>
-                <a:gd name="T38" fmla="*/ 8 w 148"/>
-                <a:gd name="T39" fmla="*/ 34 h 160"/>
-                <a:gd name="T40" fmla="*/ 1 w 148"/>
-                <a:gd name="T41" fmla="*/ 46 h 160"/>
-                <a:gd name="T42" fmla="*/ 0 w 148"/>
-                <a:gd name="T43" fmla="*/ 50 h 160"/>
-                <a:gd name="T44" fmla="*/ 2 w 148"/>
-                <a:gd name="T45" fmla="*/ 55 h 160"/>
-                <a:gd name="T46" fmla="*/ 19 w 148"/>
-                <a:gd name="T47" fmla="*/ 70 h 160"/>
-                <a:gd name="T48" fmla="*/ 17 w 148"/>
-                <a:gd name="T49" fmla="*/ 80 h 160"/>
-                <a:gd name="T50" fmla="*/ 19 w 148"/>
-                <a:gd name="T51" fmla="*/ 91 h 160"/>
-                <a:gd name="T52" fmla="*/ 2 w 148"/>
-                <a:gd name="T53" fmla="*/ 106 h 160"/>
-                <a:gd name="T54" fmla="*/ 0 w 148"/>
-                <a:gd name="T55" fmla="*/ 111 h 160"/>
-                <a:gd name="T56" fmla="*/ 1 w 148"/>
-                <a:gd name="T57" fmla="*/ 114 h 160"/>
-                <a:gd name="T58" fmla="*/ 8 w 148"/>
-                <a:gd name="T59" fmla="*/ 126 h 160"/>
-                <a:gd name="T60" fmla="*/ 14 w 148"/>
-                <a:gd name="T61" fmla="*/ 130 h 160"/>
-                <a:gd name="T62" fmla="*/ 16 w 148"/>
-                <a:gd name="T63" fmla="*/ 130 h 160"/>
-                <a:gd name="T64" fmla="*/ 37 w 148"/>
-                <a:gd name="T65" fmla="*/ 123 h 160"/>
-                <a:gd name="T66" fmla="*/ 55 w 148"/>
-                <a:gd name="T67" fmla="*/ 133 h 160"/>
-                <a:gd name="T68" fmla="*/ 60 w 148"/>
-                <a:gd name="T69" fmla="*/ 155 h 160"/>
-                <a:gd name="T70" fmla="*/ 67 w 148"/>
-                <a:gd name="T71" fmla="*/ 160 h 160"/>
-                <a:gd name="T72" fmla="*/ 81 w 148"/>
-                <a:gd name="T73" fmla="*/ 160 h 160"/>
-                <a:gd name="T74" fmla="*/ 88 w 148"/>
-                <a:gd name="T75" fmla="*/ 155 h 160"/>
-                <a:gd name="T76" fmla="*/ 92 w 148"/>
-                <a:gd name="T77" fmla="*/ 134 h 160"/>
-                <a:gd name="T78" fmla="*/ 111 w 148"/>
-                <a:gd name="T79" fmla="*/ 123 h 160"/>
-                <a:gd name="T80" fmla="*/ 131 w 148"/>
-                <a:gd name="T81" fmla="*/ 130 h 160"/>
-                <a:gd name="T82" fmla="*/ 133 w 148"/>
-                <a:gd name="T83" fmla="*/ 130 h 160"/>
-                <a:gd name="T84" fmla="*/ 140 w 148"/>
-                <a:gd name="T85" fmla="*/ 126 h 160"/>
-                <a:gd name="T86" fmla="*/ 147 w 148"/>
-                <a:gd name="T87" fmla="*/ 114 h 160"/>
-                <a:gd name="T88" fmla="*/ 147 w 148"/>
-                <a:gd name="T89" fmla="*/ 111 h 160"/>
-                <a:gd name="T90" fmla="*/ 145 w 148"/>
-                <a:gd name="T91" fmla="*/ 106 h 160"/>
-                <a:gd name="T92" fmla="*/ 129 w 148"/>
-                <a:gd name="T93" fmla="*/ 91 h 160"/>
-                <a:gd name="T94" fmla="*/ 96 w 148"/>
-                <a:gd name="T95" fmla="*/ 80 h 160"/>
-                <a:gd name="T96" fmla="*/ 74 w 148"/>
-                <a:gd name="T97" fmla="*/ 102 h 160"/>
-                <a:gd name="T98" fmla="*/ 52 w 148"/>
-                <a:gd name="T99" fmla="*/ 80 h 160"/>
-                <a:gd name="T100" fmla="*/ 74 w 148"/>
-                <a:gd name="T101" fmla="*/ 58 h 160"/>
-                <a:gd name="T102" fmla="*/ 96 w 148"/>
-                <a:gd name="T103" fmla="*/ 80 h 160"/>
-              </a:gdLst>
-              <a:ahLst/>
-              <a:cxnLst>
-                <a:cxn ang="0">
-                  <a:pos x="T0" y="T1"/>
-                </a:cxn>
-                <a:cxn ang="0">
-                  <a:pos x="T2" y="T3"/>
-                </a:cxn>
-                <a:cxn ang="0">
-                  <a:pos x="T4" y="T5"/>
-                </a:cxn>
-                <a:cxn ang="0">
-                  <a:pos x="T6" y="T7"/>
-                </a:cxn>
-                <a:cxn ang="0">
-                  <a:pos x="T8" y="T9"/>
-                </a:cxn>
-                <a:cxn ang="0">
-                  <a:pos x="T10" y="T11"/>
-                </a:cxn>
-                <a:cxn ang="0">
-                  <a:pos x="T12" y="T13"/>
-                </a:cxn>
-                <a:cxn ang="0">
-                  <a:pos x="T14" y="T15"/>
-                </a:cxn>
-                <a:cxn ang="0">
-                  <a:pos x="T16" y="T17"/>
-                </a:cxn>
-                <a:cxn ang="0">
-                  <a:pos x="T18" y="T19"/>
-                </a:cxn>
-                <a:cxn ang="0">
-                  <a:pos x="T20" y="T21"/>
-                </a:cxn>
-                <a:cxn ang="0">
-                  <a:pos x="T22" y="T23"/>
-                </a:cxn>
-                <a:cxn ang="0">
-                  <a:pos x="T24" y="T25"/>
-                </a:cxn>
-                <a:cxn ang="0">
-                  <a:pos x="T26" y="T27"/>
-                </a:cxn>
-                <a:cxn ang="0">
-                  <a:pos x="T28" y="T29"/>
-                </a:cxn>
-                <a:cxn ang="0">
-                  <a:pos x="T30" y="T31"/>
-                </a:cxn>
-                <a:cxn ang="0">
-                  <a:pos x="T32" y="T33"/>
-                </a:cxn>
-                <a:cxn ang="0">
-                  <a:pos x="T34" y="T35"/>
-                </a:cxn>
-                <a:cxn ang="0">
-                  <a:pos x="T36" y="T37"/>
-                </a:cxn>
-                <a:cxn ang="0">
-                  <a:pos x="T38" y="T39"/>
-                </a:cxn>
-                <a:cxn ang="0">
-                  <a:pos x="T40" y="T41"/>
-                </a:cxn>
-                <a:cxn ang="0">
-                  <a:pos x="T42" y="T43"/>
-                </a:cxn>
-                <a:cxn ang="0">
-                  <a:pos x="T44" y="T45"/>
-                </a:cxn>
-                <a:cxn ang="0">
-                  <a:pos x="T46" y="T47"/>
-                </a:cxn>
-                <a:cxn ang="0">
-                  <a:pos x="T48" y="T49"/>
-                </a:cxn>
-                <a:cxn ang="0">
-                  <a:pos x="T50" y="T51"/>
-                </a:cxn>
-                <a:cxn ang="0">
-                  <a:pos x="T52" y="T53"/>
-                </a:cxn>
-                <a:cxn ang="0">
-                  <a:pos x="T54" y="T55"/>
-                </a:cxn>
-                <a:cxn ang="0">
-                  <a:pos x="T56" y="T57"/>
-                </a:cxn>
-                <a:cxn ang="0">
-                  <a:pos x="T58" y="T59"/>
-                </a:cxn>
-                <a:cxn ang="0">
-                  <a:pos x="T60" y="T61"/>
-                </a:cxn>
-                <a:cxn ang="0">
-                  <a:pos x="T62" y="T63"/>
-                </a:cxn>
-                <a:cxn ang="0">
-                  <a:pos x="T64" y="T65"/>
-                </a:cxn>
-                <a:cxn ang="0">
-                  <a:pos x="T66" y="T67"/>
-                </a:cxn>
-                <a:cxn ang="0">
-                  <a:pos x="T68" y="T69"/>
-                </a:cxn>
-                <a:cxn ang="0">
-                  <a:pos x="T70" y="T71"/>
-                </a:cxn>
-                <a:cxn ang="0">
-                  <a:pos x="T72" y="T73"/>
-                </a:cxn>
-                <a:cxn ang="0">
-                  <a:pos x="T74" y="T75"/>
-                </a:cxn>
-                <a:cxn ang="0">
-                  <a:pos x="T76" y="T77"/>
-                </a:cxn>
-                <a:cxn ang="0">
-                  <a:pos x="T78" y="T79"/>
-                </a:cxn>
-                <a:cxn ang="0">
-                  <a:pos x="T80" y="T81"/>
-                </a:cxn>
-                <a:cxn ang="0">
-                  <a:pos x="T82" y="T83"/>
-                </a:cxn>
-                <a:cxn ang="0">
-                  <a:pos x="T84" y="T85"/>
-                </a:cxn>
-                <a:cxn ang="0">
-                  <a:pos x="T86" y="T87"/>
-                </a:cxn>
-                <a:cxn ang="0">
-                  <a:pos x="T88" y="T89"/>
-                </a:cxn>
-                <a:cxn ang="0">
-                  <a:pos x="T90" y="T91"/>
-                </a:cxn>
-                <a:cxn ang="0">
-                  <a:pos x="T92" y="T93"/>
-                </a:cxn>
-                <a:cxn ang="0">
-                  <a:pos x="T94" y="T95"/>
-                </a:cxn>
-                <a:cxn ang="0">
-                  <a:pos x="T96" y="T97"/>
-                </a:cxn>
-                <a:cxn ang="0">
-                  <a:pos x="T98" y="T99"/>
-                </a:cxn>
-                <a:cxn ang="0">
-                  <a:pos x="T100" y="T101"/>
-                </a:cxn>
-                <a:cxn ang="0">
-                  <a:pos x="T102" y="T103"/>
-                </a:cxn>
-              </a:cxnLst>
-              <a:rect l="0" t="0" r="r" b="b"/>
-              <a:pathLst>
-                <a:path w="148" h="160">
-                  <a:moveTo>
-                    <a:pt x="129" y="91"/>
-                  </a:moveTo>
-                  <a:cubicBezTo>
-                    <a:pt x="130" y="88"/>
-                    <a:pt x="131" y="84"/>
-                    <a:pt x="131" y="80"/>
-                  </a:cubicBezTo>
-                  <a:cubicBezTo>
-                    <a:pt x="131" y="77"/>
-                    <a:pt x="130" y="73"/>
-                    <a:pt x="129" y="70"/>
-                  </a:cubicBezTo>
-                  <a:cubicBezTo>
-                    <a:pt x="145" y="55"/>
-                    <a:pt x="145" y="55"/>
-                    <a:pt x="145" y="55"/>
-                  </a:cubicBezTo>
-                  <a:cubicBezTo>
-                    <a:pt x="147" y="54"/>
-                    <a:pt x="147" y="52"/>
-                    <a:pt x="147" y="50"/>
-                  </a:cubicBezTo>
-                  <a:cubicBezTo>
-                    <a:pt x="147" y="49"/>
-                    <a:pt x="147" y="47"/>
-                    <a:pt x="147" y="46"/>
-                  </a:cubicBezTo>
-                  <a:cubicBezTo>
-                    <a:pt x="140" y="34"/>
-                    <a:pt x="140" y="34"/>
-                    <a:pt x="140" y="34"/>
-                  </a:cubicBezTo>
-                  <a:cubicBezTo>
-                    <a:pt x="138" y="32"/>
-                    <a:pt x="136" y="31"/>
-                    <a:pt x="133" y="31"/>
-                  </a:cubicBezTo>
-                  <a:cubicBezTo>
-                    <a:pt x="133" y="31"/>
-                    <a:pt x="132" y="31"/>
-                    <a:pt x="131" y="31"/>
-                  </a:cubicBezTo>
-                  <a:cubicBezTo>
-                    <a:pt x="111" y="37"/>
-                    <a:pt x="111" y="37"/>
-                    <a:pt x="111" y="37"/>
-                  </a:cubicBezTo>
-                  <a:cubicBezTo>
-                    <a:pt x="105" y="33"/>
-                    <a:pt x="99" y="29"/>
-                    <a:pt x="92" y="27"/>
-                  </a:cubicBezTo>
-                  <a:cubicBezTo>
-                    <a:pt x="88" y="6"/>
-                    <a:pt x="88" y="6"/>
-                    <a:pt x="88" y="6"/>
-                  </a:cubicBezTo>
-                  <a:cubicBezTo>
-                    <a:pt x="87" y="3"/>
-                    <a:pt x="84" y="0"/>
-                    <a:pt x="81" y="0"/>
-                  </a:cubicBezTo>
-                  <a:cubicBezTo>
-                    <a:pt x="67" y="0"/>
-                    <a:pt x="67" y="0"/>
-                    <a:pt x="67" y="0"/>
-                  </a:cubicBezTo>
-                  <a:cubicBezTo>
-                    <a:pt x="63" y="0"/>
-                    <a:pt x="61" y="3"/>
-                    <a:pt x="60" y="6"/>
-                  </a:cubicBezTo>
-                  <a:cubicBezTo>
-                    <a:pt x="55" y="27"/>
-                    <a:pt x="55" y="27"/>
-                    <a:pt x="55" y="27"/>
-                  </a:cubicBezTo>
-                  <a:cubicBezTo>
-                    <a:pt x="48" y="29"/>
-                    <a:pt x="42" y="33"/>
-                    <a:pt x="37" y="38"/>
-                  </a:cubicBezTo>
-                  <a:cubicBezTo>
-                    <a:pt x="16" y="31"/>
-                    <a:pt x="16" y="31"/>
-                    <a:pt x="16" y="31"/>
-                  </a:cubicBezTo>
-                  <a:cubicBezTo>
-                    <a:pt x="15" y="31"/>
-                    <a:pt x="15" y="31"/>
-                    <a:pt x="14" y="31"/>
-                  </a:cubicBezTo>
-                  <a:cubicBezTo>
-                    <a:pt x="12" y="31"/>
-                    <a:pt x="9" y="32"/>
-                    <a:pt x="8" y="34"/>
-                  </a:cubicBezTo>
-                  <a:cubicBezTo>
-                    <a:pt x="1" y="46"/>
-                    <a:pt x="1" y="46"/>
-                    <a:pt x="1" y="46"/>
-                  </a:cubicBezTo>
-                  <a:cubicBezTo>
-                    <a:pt x="0" y="47"/>
-                    <a:pt x="0" y="49"/>
-                    <a:pt x="0" y="50"/>
-                  </a:cubicBezTo>
-                  <a:cubicBezTo>
-                    <a:pt x="0" y="52"/>
-                    <a:pt x="1" y="54"/>
-                    <a:pt x="2" y="55"/>
-                  </a:cubicBezTo>
-                  <a:cubicBezTo>
-                    <a:pt x="19" y="70"/>
-                    <a:pt x="19" y="70"/>
-                    <a:pt x="19" y="70"/>
-                  </a:cubicBezTo>
-                  <a:cubicBezTo>
-                    <a:pt x="18" y="73"/>
-                    <a:pt x="17" y="77"/>
-                    <a:pt x="17" y="80"/>
-                  </a:cubicBezTo>
-                  <a:cubicBezTo>
-                    <a:pt x="17" y="84"/>
-                    <a:pt x="18" y="87"/>
-                    <a:pt x="19" y="91"/>
-                  </a:cubicBezTo>
-                  <a:cubicBezTo>
-                    <a:pt x="2" y="106"/>
-                    <a:pt x="2" y="106"/>
-                    <a:pt x="2" y="106"/>
-                  </a:cubicBezTo>
-                  <a:cubicBezTo>
-                    <a:pt x="1" y="107"/>
-                    <a:pt x="0" y="109"/>
-                    <a:pt x="0" y="111"/>
-                  </a:cubicBezTo>
-                  <a:cubicBezTo>
-                    <a:pt x="0" y="112"/>
-                    <a:pt x="0" y="113"/>
-                    <a:pt x="1" y="114"/>
-                  </a:cubicBezTo>
-                  <a:cubicBezTo>
-                    <a:pt x="8" y="126"/>
-                    <a:pt x="8" y="126"/>
-                    <a:pt x="8" y="126"/>
-                  </a:cubicBezTo>
-                  <a:cubicBezTo>
-                    <a:pt x="9" y="129"/>
-                    <a:pt x="12" y="130"/>
-                    <a:pt x="14" y="130"/>
-                  </a:cubicBezTo>
-                  <a:cubicBezTo>
-                    <a:pt x="15" y="130"/>
-                    <a:pt x="15" y="130"/>
-                    <a:pt x="16" y="130"/>
-                  </a:cubicBezTo>
-                  <a:cubicBezTo>
-                    <a:pt x="37" y="123"/>
-                    <a:pt x="37" y="123"/>
-                    <a:pt x="37" y="123"/>
-                  </a:cubicBezTo>
-                  <a:cubicBezTo>
-                    <a:pt x="42" y="127"/>
-                    <a:pt x="48" y="131"/>
-                    <a:pt x="55" y="133"/>
-                  </a:cubicBezTo>
-                  <a:cubicBezTo>
-                    <a:pt x="60" y="155"/>
-                    <a:pt x="60" y="155"/>
-                    <a:pt x="60" y="155"/>
-                  </a:cubicBezTo>
-                  <a:cubicBezTo>
-                    <a:pt x="61" y="158"/>
-                    <a:pt x="63" y="160"/>
-                    <a:pt x="67" y="160"/>
-                  </a:cubicBezTo>
-                  <a:cubicBezTo>
-                    <a:pt x="81" y="160"/>
-                    <a:pt x="81" y="160"/>
-                    <a:pt x="81" y="160"/>
-                  </a:cubicBezTo>
-                  <a:cubicBezTo>
-                    <a:pt x="84" y="160"/>
-                    <a:pt x="87" y="158"/>
-                    <a:pt x="88" y="155"/>
-                  </a:cubicBezTo>
-                  <a:cubicBezTo>
-                    <a:pt x="92" y="134"/>
-                    <a:pt x="92" y="134"/>
-                    <a:pt x="92" y="134"/>
-                  </a:cubicBezTo>
-                  <a:cubicBezTo>
-                    <a:pt x="99" y="131"/>
-                    <a:pt x="105" y="128"/>
-                    <a:pt x="111" y="123"/>
-                  </a:cubicBezTo>
-                  <a:cubicBezTo>
-                    <a:pt x="131" y="130"/>
-                    <a:pt x="131" y="130"/>
-                    <a:pt x="131" y="130"/>
-                  </a:cubicBezTo>
-                  <a:cubicBezTo>
-                    <a:pt x="132" y="130"/>
-                    <a:pt x="133" y="130"/>
-                    <a:pt x="133" y="130"/>
-                  </a:cubicBezTo>
-                  <a:cubicBezTo>
-                    <a:pt x="136" y="130"/>
-                    <a:pt x="138" y="129"/>
-                    <a:pt x="140" y="126"/>
-                  </a:cubicBezTo>
-                  <a:cubicBezTo>
-                    <a:pt x="147" y="114"/>
-                    <a:pt x="147" y="114"/>
-                    <a:pt x="147" y="114"/>
-                  </a:cubicBezTo>
-                  <a:cubicBezTo>
-                    <a:pt x="147" y="113"/>
-                    <a:pt x="148" y="112"/>
-                    <a:pt x="147" y="111"/>
-                  </a:cubicBezTo>
-                  <a:cubicBezTo>
-                    <a:pt x="148" y="109"/>
-                    <a:pt x="147" y="107"/>
-                    <a:pt x="145" y="106"/>
-                  </a:cubicBezTo>
-                  <a:lnTo>
-                    <a:pt x="129" y="91"/>
-                  </a:lnTo>
-                  <a:close/>
-                  <a:moveTo>
-                    <a:pt x="96" y="80"/>
-                  </a:moveTo>
-                  <a:cubicBezTo>
-                    <a:pt x="96" y="92"/>
-                    <a:pt x="86" y="102"/>
-                    <a:pt x="74" y="102"/>
-                  </a:cubicBezTo>
-                  <a:cubicBezTo>
-                    <a:pt x="62" y="102"/>
-                    <a:pt x="52" y="92"/>
-                    <a:pt x="52" y="80"/>
-                  </a:cubicBezTo>
-                  <a:cubicBezTo>
-                    <a:pt x="52" y="68"/>
-                    <a:pt x="62" y="58"/>
-                    <a:pt x="74" y="58"/>
-                  </a:cubicBezTo>
-                  <a:cubicBezTo>
-                    <a:pt x="86" y="58"/>
-                    <a:pt x="96" y="68"/>
-                    <a:pt x="96" y="80"/>
-                  </a:cubicBezTo>
-                  <a:close/>
-                </a:path>
-              </a:pathLst>
-            </a:custGeom>
-            <a:grpFill/>
-            <a:ln>
-              <a:noFill/>
-            </a:ln>
-            <a:extLst>
-              <a:ext uri="{91240B29-F687-4F45-9708-019B960494DF}">
-                <a14:hiddenLine xmlns:a14="http://schemas.microsoft.com/office/drawing/2010/main" w="9525">
-                  <a:solidFill>
-                    <a:srgbClr val="000000"/>
-                  </a:solidFill>
-                  <a:round/>
-                  <a:headEnd/>
-                  <a:tailEnd/>
-                </a14:hiddenLine>
-              </a:ext>
-            </a:extLst>
-          </p:spPr>
-          <p:txBody>
-            <a:bodyPr vert="horz" wrap="square" lIns="91440" tIns="45720" rIns="91440" bIns="45720" numCol="1" anchor="t" anchorCtr="0" compatLnSpc="1">
-              <a:prstTxWarp prst="textNoShape">
-                <a:avLst/>
-              </a:prstTxWarp>
-            </a:bodyPr>
-            <a:lstStyle/>
-            <a:p>
-              <a:endParaRPr lang="en-US" sz="1600"/>
-            </a:p>
-          </p:txBody>
-        </p:sp>
-      </p:grpSp>
       <p:sp>
         <p:nvSpPr>
           <p:cNvPr id="9" name="Rectangle 8"/>
